--- a/comp472-MP2-Presentation.pptx
+++ b/comp472-MP2-Presentation.pptx
@@ -1,21 +1,21 @@
 
 <file path=ppt/presentation.xml><?xml version="1.0" encoding="utf-8"?>
-<p:presentation xmlns:a="http://schemas.openxmlformats.org/drawingml/2006/main" xmlns:r="http://schemas.openxmlformats.org/officeDocument/2006/relationships" xmlns:p="http://schemas.openxmlformats.org/presentationml/2006/main" xmlns:m="http://schemas.openxmlformats.org/officeDocument/2006/math" xmlns:a14="http://schemas.microsoft.com/office/drawing/2010/main">
+<p:presentation xmlns:a="http://schemas.openxmlformats.org/drawingml/2006/main" xmlns:r="http://schemas.openxmlformats.org/officeDocument/2006/relationships" xmlns:p="http://schemas.openxmlformats.org/presentationml/2006/main">
   <p:sldMasterIdLst>
-    <p:sldMasterId id="2147483648" r:id="rId5"/>
+    <p:sldMasterId id="2147483648" r:id="rId1"/>
   </p:sldMasterIdLst>
   <p:notesMasterIdLst>
-    <p:notesMasterId r:id="rId7"/>
+    <p:notesMasterId r:id="rId10"/>
   </p:notesMasterIdLst>
   <p:sldIdLst>
-    <p:sldId id="256" r:id="rId8"/>
-    <p:sldId id="257" r:id="rId9"/>
-    <p:sldId id="258" r:id="rId10"/>
-    <p:sldId id="259" r:id="rId11"/>
-    <p:sldId id="260" r:id="rId12"/>
-    <p:sldId id="261" r:id="rId13"/>
-    <p:sldId id="262" r:id="rId14"/>
-    <p:sldId id="263" r:id="rId15"/>
+    <p:sldId id="256" r:id="rId2"/>
+    <p:sldId id="257" r:id="rId3"/>
+    <p:sldId id="258" r:id="rId4"/>
+    <p:sldId id="259" r:id="rId5"/>
+    <p:sldId id="260" r:id="rId6"/>
+    <p:sldId id="261" r:id="rId7"/>
+    <p:sldId id="262" r:id="rId8"/>
+    <p:sldId id="263" r:id="rId9"/>
   </p:sldIdLst>
   <p:sldSz cx="24384000" cy="13716000"/>
   <p:notesSz cx="6858000" cy="9144000"/>
@@ -35,7 +35,7 @@
       <a:buFontTx/>
       <a:buNone/>
       <a:tabLst/>
-      <a:defRPr b="0" baseline="0" cap="none" i="0" spc="0" strike="noStrike" sz="1800" u="none" kumimoji="0" normalizeH="0">
+      <a:defRPr kumimoji="0" sz="1800" b="0" i="0" u="none" strike="noStrike" cap="none" spc="0" normalizeH="0" baseline="0">
         <a:ln>
           <a:noFill/>
         </a:ln>
@@ -61,7 +61,7 @@
       <a:buFontTx/>
       <a:buNone/>
       <a:tabLst/>
-      <a:defRPr b="0" baseline="0" cap="none" i="0" spc="0" strike="noStrike" sz="2400" u="none" kumimoji="0" normalizeH="0">
+      <a:defRPr kumimoji="0" sz="2400" b="0" i="0" u="none" strike="noStrike" cap="none" spc="0" normalizeH="0" baseline="0">
         <a:ln>
           <a:noFill/>
         </a:ln>
@@ -91,7 +91,7 @@
       <a:buFontTx/>
       <a:buNone/>
       <a:tabLst/>
-      <a:defRPr b="0" baseline="0" cap="none" i="0" spc="0" strike="noStrike" sz="2400" u="none" kumimoji="0" normalizeH="0">
+      <a:defRPr kumimoji="0" sz="2400" b="0" i="0" u="none" strike="noStrike" cap="none" spc="0" normalizeH="0" baseline="0">
         <a:ln>
           <a:noFill/>
         </a:ln>
@@ -121,7 +121,7 @@
       <a:buFontTx/>
       <a:buNone/>
       <a:tabLst/>
-      <a:defRPr b="0" baseline="0" cap="none" i="0" spc="0" strike="noStrike" sz="2400" u="none" kumimoji="0" normalizeH="0">
+      <a:defRPr kumimoji="0" sz="2400" b="0" i="0" u="none" strike="noStrike" cap="none" spc="0" normalizeH="0" baseline="0">
         <a:ln>
           <a:noFill/>
         </a:ln>
@@ -151,7 +151,7 @@
       <a:buFontTx/>
       <a:buNone/>
       <a:tabLst/>
-      <a:defRPr b="0" baseline="0" cap="none" i="0" spc="0" strike="noStrike" sz="2400" u="none" kumimoji="0" normalizeH="0">
+      <a:defRPr kumimoji="0" sz="2400" b="0" i="0" u="none" strike="noStrike" cap="none" spc="0" normalizeH="0" baseline="0">
         <a:ln>
           <a:noFill/>
         </a:ln>
@@ -181,7 +181,7 @@
       <a:buFontTx/>
       <a:buNone/>
       <a:tabLst/>
-      <a:defRPr b="0" baseline="0" cap="none" i="0" spc="0" strike="noStrike" sz="2400" u="none" kumimoji="0" normalizeH="0">
+      <a:defRPr kumimoji="0" sz="2400" b="0" i="0" u="none" strike="noStrike" cap="none" spc="0" normalizeH="0" baseline="0">
         <a:ln>
           <a:noFill/>
         </a:ln>
@@ -211,7 +211,7 @@
       <a:buFontTx/>
       <a:buNone/>
       <a:tabLst/>
-      <a:defRPr b="0" baseline="0" cap="none" i="0" spc="0" strike="noStrike" sz="2400" u="none" kumimoji="0" normalizeH="0">
+      <a:defRPr kumimoji="0" sz="2400" b="0" i="0" u="none" strike="noStrike" cap="none" spc="0" normalizeH="0" baseline="0">
         <a:ln>
           <a:noFill/>
         </a:ln>
@@ -241,7 +241,7 @@
       <a:buFontTx/>
       <a:buNone/>
       <a:tabLst/>
-      <a:defRPr b="0" baseline="0" cap="none" i="0" spc="0" strike="noStrike" sz="2400" u="none" kumimoji="0" normalizeH="0">
+      <a:defRPr kumimoji="0" sz="2400" b="0" i="0" u="none" strike="noStrike" cap="none" spc="0" normalizeH="0" baseline="0">
         <a:ln>
           <a:noFill/>
         </a:ln>
@@ -271,7 +271,7 @@
       <a:buFontTx/>
       <a:buNone/>
       <a:tabLst/>
-      <a:defRPr b="0" baseline="0" cap="none" i="0" spc="0" strike="noStrike" sz="2400" u="none" kumimoji="0" normalizeH="0">
+      <a:defRPr kumimoji="0" sz="2400" b="0" i="0" u="none" strike="noStrike" cap="none" spc="0" normalizeH="0" baseline="0">
         <a:ln>
           <a:noFill/>
         </a:ln>
@@ -301,7 +301,7 @@
       <a:buFontTx/>
       <a:buNone/>
       <a:tabLst/>
-      <a:defRPr b="0" baseline="0" cap="none" i="0" spc="0" strike="noStrike" sz="2400" u="none" kumimoji="0" normalizeH="0">
+      <a:defRPr kumimoji="0" sz="2400" b="0" i="0" u="none" strike="noStrike" cap="none" spc="0" normalizeH="0" baseline="0">
         <a:ln>
           <a:noFill/>
         </a:ln>
@@ -320,13 +320,14 @@
 </p:presentation>
 </file>
 
-<file path=ppt/commentAuthors.xml><?xml version="1.0" encoding="utf-8"?>
-<p:cmAuthorLst xmlns:a="http://schemas.openxmlformats.org/drawingml/2006/main" xmlns:r="http://schemas.openxmlformats.org/officeDocument/2006/relationships" xmlns:p="http://schemas.openxmlformats.org/presentationml/2006/main" xmlns:m="http://schemas.openxmlformats.org/officeDocument/2006/math" xmlns:a14="http://schemas.microsoft.com/office/drawing/2010/main"/>
-</file>
-
 <file path=ppt/notesMasters/notesMaster1.xml><?xml version="1.0" encoding="utf-8"?>
-<p:notesMaster xmlns:a="http://schemas.openxmlformats.org/drawingml/2006/main" xmlns:r="http://schemas.openxmlformats.org/officeDocument/2006/relationships" xmlns:p="http://schemas.openxmlformats.org/presentationml/2006/main" xmlns:m="http://schemas.openxmlformats.org/officeDocument/2006/math" xmlns:a14="http://schemas.microsoft.com/office/drawing/2010/main">
+<p:notesMaster xmlns:a="http://schemas.openxmlformats.org/drawingml/2006/main" xmlns:r="http://schemas.openxmlformats.org/officeDocument/2006/relationships" xmlns:p="http://schemas.openxmlformats.org/presentationml/2006/main">
   <p:cSld>
+    <p:bg>
+      <p:bgRef idx="1001">
+        <a:schemeClr val="bg1"/>
+      </p:bgRef>
+    </p:bg>
     <p:spTree>
       <p:nvGrpSpPr>
         <p:cNvPr id="1" name=""/>
@@ -344,7 +345,9 @@
       <p:sp>
         <p:nvSpPr>
           <p:cNvPr id="148" name="Shape 148"/>
-          <p:cNvSpPr/>
+          <p:cNvSpPr>
+            <a:spLocks noGrp="1" noRot="1" noChangeAspect="1"/>
+          </p:cNvSpPr>
           <p:nvPr>
             <p:ph type="sldImg"/>
           </p:nvPr>
@@ -362,14 +365,16 @@
           <a:bodyPr/>
           <a:lstStyle/>
           <a:p>
-            <a:pPr/>
+            <a:endParaRPr/>
           </a:p>
         </p:txBody>
       </p:sp>
       <p:sp>
         <p:nvSpPr>
           <p:cNvPr id="149" name="Shape 149"/>
-          <p:cNvSpPr/>
+          <p:cNvSpPr>
+            <a:spLocks noGrp="1"/>
+          </p:cNvSpPr>
           <p:nvPr>
             <p:ph type="body" sz="quarter" idx="1"/>
           </p:nvPr>
@@ -387,7 +392,7 @@
           <a:bodyPr/>
           <a:lstStyle/>
           <a:p>
-            <a:pPr/>
+            <a:endParaRPr/>
           </a:p>
         </p:txBody>
       </p:sp>
@@ -499,13 +504,14 @@
 </file>
 
 <file path=ppt/slideLayouts/slideLayout1.xml><?xml version="1.0" encoding="utf-8"?>
-<p:sldLayout xmlns:a="http://schemas.openxmlformats.org/drawingml/2006/main" xmlns:r="http://schemas.openxmlformats.org/officeDocument/2006/relationships" xmlns:p="http://schemas.openxmlformats.org/presentationml/2006/main" xmlns:m="http://schemas.openxmlformats.org/officeDocument/2006/math" xmlns:a14="http://schemas.microsoft.com/office/drawing/2010/main" type="title" showMasterSp="1" showMasterPhAnim="1">
+<p:sldLayout xmlns:a="http://schemas.openxmlformats.org/drawingml/2006/main" xmlns:r="http://schemas.openxmlformats.org/officeDocument/2006/relationships" xmlns:p="http://schemas.openxmlformats.org/presentationml/2006/main" type="title">
   <p:cSld name="Title">
     <p:bg>
       <p:bgPr>
         <a:solidFill>
           <a:srgbClr val="003462"/>
         </a:solidFill>
+        <a:effectLst/>
       </p:bgPr>
     </p:bg>
     <p:spTree>
@@ -525,7 +531,9 @@
       <p:sp>
         <p:nvSpPr>
           <p:cNvPr id="11" name="Author and Date"/>
-          <p:cNvSpPr txBox="1"/>
+          <p:cNvSpPr txBox="1">
+            <a:spLocks noGrp="1"/>
+          </p:cNvSpPr>
           <p:nvPr>
             <p:ph type="body" sz="quarter" idx="21" hasCustomPrompt="1"/>
           </p:nvPr>
@@ -551,7 +559,7 @@
               </a:spcBef>
               <a:buSzTx/>
               <a:buNone/>
-              <a:defRPr b="1" sz="3600">
+              <a:defRPr sz="3600" b="1">
                 <a:solidFill>
                   <a:srgbClr val="FFFFFF"/>
                 </a:solidFill>
@@ -559,7 +567,6 @@
             </a:lvl1pPr>
           </a:lstStyle>
           <a:p>
-            <a:pPr/>
             <a:r>
               <a:t>Author and Date</a:t>
             </a:r>
@@ -569,7 +576,9 @@
       <p:sp>
         <p:nvSpPr>
           <p:cNvPr id="12" name="Presentation Title"/>
-          <p:cNvSpPr txBox="1"/>
+          <p:cNvSpPr txBox="1">
+            <a:spLocks noGrp="1"/>
+          </p:cNvSpPr>
           <p:nvPr>
             <p:ph type="title" hasCustomPrompt="1"/>
           </p:nvPr>
@@ -587,7 +596,7 @@
           <a:bodyPr anchor="b"/>
           <a:lstStyle>
             <a:lvl1pPr>
-              <a:defRPr spc="-232" sz="11600">
+              <a:defRPr sz="11600" spc="-232">
                 <a:solidFill>
                   <a:srgbClr val="FFFFFF"/>
                 </a:solidFill>
@@ -595,7 +604,6 @@
             </a:lvl1pPr>
           </a:lstStyle>
           <a:p>
-            <a:pPr/>
             <a:r>
               <a:t>Presentation Title</a:t>
             </a:r>
@@ -605,7 +613,9 @@
       <p:sp>
         <p:nvSpPr>
           <p:cNvPr id="13" name="Body Level One…"/>
-          <p:cNvSpPr txBox="1"/>
+          <p:cNvSpPr txBox="1">
+            <a:spLocks noGrp="1"/>
+          </p:cNvSpPr>
           <p:nvPr>
             <p:ph type="body" sz="quarter" idx="1" hasCustomPrompt="1"/>
           </p:nvPr>
@@ -631,7 +641,7 @@
               </a:spcBef>
               <a:buSzTx/>
               <a:buNone/>
-              <a:defRPr b="1" sz="5500">
+              <a:defRPr sz="5500" b="1">
                 <a:solidFill>
                   <a:schemeClr val="accent1"/>
                 </a:solidFill>
@@ -646,7 +656,7 @@
               </a:spcBef>
               <a:buSzTx/>
               <a:buNone/>
-              <a:defRPr b="1" sz="5500">
+              <a:defRPr sz="5500" b="1">
                 <a:solidFill>
                   <a:schemeClr val="accent1"/>
                 </a:solidFill>
@@ -661,7 +671,7 @@
               </a:spcBef>
               <a:buSzTx/>
               <a:buNone/>
-              <a:defRPr b="1" sz="5500">
+              <a:defRPr sz="5500" b="1">
                 <a:solidFill>
                   <a:schemeClr val="accent1"/>
                 </a:solidFill>
@@ -676,7 +686,7 @@
               </a:spcBef>
               <a:buSzTx/>
               <a:buNone/>
-              <a:defRPr b="1" sz="5500">
+              <a:defRPr sz="5500" b="1">
                 <a:solidFill>
                   <a:schemeClr val="accent1"/>
                 </a:solidFill>
@@ -691,7 +701,7 @@
               </a:spcBef>
               <a:buSzTx/>
               <a:buNone/>
-              <a:defRPr b="1" sz="5500">
+              <a:defRPr sz="5500" b="1">
                 <a:solidFill>
                   <a:schemeClr val="accent1"/>
                 </a:solidFill>
@@ -699,41 +709,34 @@
             </a:lvl5pPr>
           </a:lstStyle>
           <a:p>
-            <a:pPr/>
             <a:r>
               <a:t>Presentation Subtitle</a:t>
             </a:r>
           </a:p>
           <a:p>
             <a:pPr lvl="1"/>
-            <a:r>
-              <a:t/>
-            </a:r>
+            <a:endParaRPr/>
           </a:p>
           <a:p>
             <a:pPr lvl="2"/>
-            <a:r>
-              <a:t/>
-            </a:r>
+            <a:endParaRPr/>
           </a:p>
           <a:p>
             <a:pPr lvl="3"/>
-            <a:r>
-              <a:t/>
-            </a:r>
+            <a:endParaRPr/>
           </a:p>
           <a:p>
             <a:pPr lvl="4"/>
-            <a:r>
-              <a:t/>
-            </a:r>
+            <a:endParaRPr/>
           </a:p>
         </p:txBody>
       </p:sp>
       <p:sp>
         <p:nvSpPr>
           <p:cNvPr id="14" name="Slide Number"/>
-          <p:cNvSpPr txBox="1"/>
+          <p:cNvSpPr txBox="1">
+            <a:spLocks noGrp="1"/>
+          </p:cNvSpPr>
           <p:nvPr>
             <p:ph type="sldNum" sz="quarter" idx="2"/>
           </p:nvPr>
@@ -755,8 +758,10 @@
             </a:lvl1pPr>
           </a:lstStyle>
           <a:p>
-            <a:pPr/>
-            <a:fld id="{86CB4B4D-7CA3-9044-876B-883B54F8677D}" type="slidenum"/>
+            <a:fld id="{86CB4B4D-7CA3-9044-876B-883B54F8677D}" type="slidenum">
+              <a:t>‹#›</a:t>
+            </a:fld>
+            <a:endParaRPr/>
           </a:p>
         </p:txBody>
       </p:sp>
@@ -765,12 +770,12 @@
   <p:clrMapOvr>
     <a:masterClrMapping/>
   </p:clrMapOvr>
-  <p:transition xmlns:p14="http://schemas.microsoft.com/office/powerpoint/2010/main" spd="med" advClick="1"/>
+  <p:transition spd="med"/>
 </p:sldLayout>
 </file>
 
 <file path=ppt/slideLayouts/slideLayout10.xml><?xml version="1.0" encoding="utf-8"?>
-<p:sldLayout xmlns:a="http://schemas.openxmlformats.org/drawingml/2006/main" xmlns:r="http://schemas.openxmlformats.org/officeDocument/2006/relationships" xmlns:p="http://schemas.openxmlformats.org/presentationml/2006/main" xmlns:m="http://schemas.openxmlformats.org/officeDocument/2006/math" xmlns:a14="http://schemas.microsoft.com/office/drawing/2010/main" type="tx" showMasterSp="1" showMasterPhAnim="1">
+<p:sldLayout xmlns:a="http://schemas.openxmlformats.org/drawingml/2006/main" xmlns:r="http://schemas.openxmlformats.org/officeDocument/2006/relationships" xmlns:p="http://schemas.openxmlformats.org/presentationml/2006/main" type="tx">
   <p:cSld name="Statement">
     <p:spTree>
       <p:nvGrpSpPr>
@@ -789,7 +794,9 @@
       <p:sp>
         <p:nvSpPr>
           <p:cNvPr id="98" name="Body Level One…"/>
-          <p:cNvSpPr txBox="1"/>
+          <p:cNvSpPr txBox="1">
+            <a:spLocks noGrp="1"/>
+          </p:cNvSpPr>
           <p:nvPr>
             <p:ph type="body" sz="half" idx="1" hasCustomPrompt="1"/>
           </p:nvPr>
@@ -815,7 +822,7 @@
               </a:spcBef>
               <a:buSzTx/>
               <a:buNone/>
-              <a:defRPr spc="-232" sz="11600">
+              <a:defRPr sz="11600" spc="-232">
                 <a:solidFill>
                   <a:schemeClr val="accent1">
                     <a:hueOff val="114395"/>
@@ -837,7 +844,7 @@
               </a:spcBef>
               <a:buSzTx/>
               <a:buNone/>
-              <a:defRPr spc="-232" sz="11600">
+              <a:defRPr sz="11600" spc="-232">
                 <a:solidFill>
                   <a:schemeClr val="accent1">
                     <a:hueOff val="114395"/>
@@ -859,7 +866,7 @@
               </a:spcBef>
               <a:buSzTx/>
               <a:buNone/>
-              <a:defRPr spc="-232" sz="11600">
+              <a:defRPr sz="11600" spc="-232">
                 <a:solidFill>
                   <a:schemeClr val="accent1">
                     <a:hueOff val="114395"/>
@@ -881,7 +888,7 @@
               </a:spcBef>
               <a:buSzTx/>
               <a:buNone/>
-              <a:defRPr spc="-232" sz="11600">
+              <a:defRPr sz="11600" spc="-232">
                 <a:solidFill>
                   <a:schemeClr val="accent1">
                     <a:hueOff val="114395"/>
@@ -903,7 +910,7 @@
               </a:spcBef>
               <a:buSzTx/>
               <a:buNone/>
-              <a:defRPr spc="-232" sz="11600">
+              <a:defRPr sz="11600" spc="-232">
                 <a:solidFill>
                   <a:schemeClr val="accent1">
                     <a:hueOff val="114395"/>
@@ -918,41 +925,34 @@
             </a:lvl5pPr>
           </a:lstStyle>
           <a:p>
-            <a:pPr/>
             <a:r>
               <a:t>Statement</a:t>
             </a:r>
           </a:p>
           <a:p>
             <a:pPr lvl="1"/>
-            <a:r>
-              <a:t/>
-            </a:r>
+            <a:endParaRPr/>
           </a:p>
           <a:p>
             <a:pPr lvl="2"/>
-            <a:r>
-              <a:t/>
-            </a:r>
+            <a:endParaRPr/>
           </a:p>
           <a:p>
             <a:pPr lvl="3"/>
-            <a:r>
-              <a:t/>
-            </a:r>
+            <a:endParaRPr/>
           </a:p>
           <a:p>
             <a:pPr lvl="4"/>
-            <a:r>
-              <a:t/>
-            </a:r>
+            <a:endParaRPr/>
           </a:p>
         </p:txBody>
       </p:sp>
       <p:sp>
         <p:nvSpPr>
           <p:cNvPr id="99" name="Slide Number"/>
-          <p:cNvSpPr txBox="1"/>
+          <p:cNvSpPr txBox="1">
+            <a:spLocks noGrp="1"/>
+          </p:cNvSpPr>
           <p:nvPr>
             <p:ph type="sldNum" sz="quarter" idx="2"/>
           </p:nvPr>
@@ -966,8 +966,10 @@
           <a:bodyPr/>
           <a:lstStyle/>
           <a:p>
-            <a:pPr/>
-            <a:fld id="{86CB4B4D-7CA3-9044-876B-883B54F8677D}" type="slidenum"/>
+            <a:fld id="{86CB4B4D-7CA3-9044-876B-883B54F8677D}" type="slidenum">
+              <a:t>‹#›</a:t>
+            </a:fld>
+            <a:endParaRPr/>
           </a:p>
         </p:txBody>
       </p:sp>
@@ -976,12 +978,12 @@
   <p:clrMapOvr>
     <a:masterClrMapping/>
   </p:clrMapOvr>
-  <p:transition xmlns:p14="http://schemas.microsoft.com/office/powerpoint/2010/main" spd="med" advClick="1"/>
+  <p:transition spd="med"/>
 </p:sldLayout>
 </file>
 
 <file path=ppt/slideLayouts/slideLayout11.xml><?xml version="1.0" encoding="utf-8"?>
-<p:sldLayout xmlns:a="http://schemas.openxmlformats.org/drawingml/2006/main" xmlns:r="http://schemas.openxmlformats.org/officeDocument/2006/relationships" xmlns:p="http://schemas.openxmlformats.org/presentationml/2006/main" xmlns:m="http://schemas.openxmlformats.org/officeDocument/2006/math" xmlns:a14="http://schemas.microsoft.com/office/drawing/2010/main" type="tx" showMasterSp="1" showMasterPhAnim="1">
+<p:sldLayout xmlns:a="http://schemas.openxmlformats.org/drawingml/2006/main" xmlns:r="http://schemas.openxmlformats.org/officeDocument/2006/relationships" xmlns:p="http://schemas.openxmlformats.org/presentationml/2006/main" type="tx">
   <p:cSld name="Big Fact">
     <p:spTree>
       <p:nvGrpSpPr>
@@ -1000,7 +1002,9 @@
       <p:sp>
         <p:nvSpPr>
           <p:cNvPr id="106" name="Body Level One…"/>
-          <p:cNvSpPr txBox="1"/>
+          <p:cNvSpPr txBox="1">
+            <a:spLocks noGrp="1"/>
+          </p:cNvSpPr>
           <p:nvPr>
             <p:ph type="body" idx="1" hasCustomPrompt="1"/>
           </p:nvPr>
@@ -1026,7 +1030,7 @@
               </a:spcBef>
               <a:buSzTx/>
               <a:buNone/>
-              <a:defRPr b="1" spc="-250" sz="25000">
+              <a:defRPr sz="25000" b="1" spc="-250">
                 <a:solidFill>
                   <a:schemeClr val="accent1">
                     <a:hueOff val="114395"/>
@@ -1044,7 +1048,7 @@
               </a:spcBef>
               <a:buSzTx/>
               <a:buNone/>
-              <a:defRPr b="1" spc="-250" sz="25000">
+              <a:defRPr sz="25000" b="1" spc="-250">
                 <a:solidFill>
                   <a:schemeClr val="accent1">
                     <a:hueOff val="114395"/>
@@ -1062,7 +1066,7 @@
               </a:spcBef>
               <a:buSzTx/>
               <a:buNone/>
-              <a:defRPr b="1" spc="-250" sz="25000">
+              <a:defRPr sz="25000" b="1" spc="-250">
                 <a:solidFill>
                   <a:schemeClr val="accent1">
                     <a:hueOff val="114395"/>
@@ -1080,7 +1084,7 @@
               </a:spcBef>
               <a:buSzTx/>
               <a:buNone/>
-              <a:defRPr b="1" spc="-250" sz="25000">
+              <a:defRPr sz="25000" b="1" spc="-250">
                 <a:solidFill>
                   <a:schemeClr val="accent1">
                     <a:hueOff val="114395"/>
@@ -1098,7 +1102,7 @@
               </a:spcBef>
               <a:buSzTx/>
               <a:buNone/>
-              <a:defRPr b="1" spc="-250" sz="25000">
+              <a:defRPr sz="25000" b="1" spc="-250">
                 <a:solidFill>
                   <a:schemeClr val="accent1">
                     <a:hueOff val="114395"/>
@@ -1109,41 +1113,34 @@
             </a:lvl5pPr>
           </a:lstStyle>
           <a:p>
-            <a:pPr/>
             <a:r>
               <a:t>100%</a:t>
             </a:r>
           </a:p>
           <a:p>
             <a:pPr lvl="1"/>
-            <a:r>
-              <a:t/>
-            </a:r>
+            <a:endParaRPr/>
           </a:p>
           <a:p>
             <a:pPr lvl="2"/>
-            <a:r>
-              <a:t/>
-            </a:r>
+            <a:endParaRPr/>
           </a:p>
           <a:p>
             <a:pPr lvl="3"/>
-            <a:r>
-              <a:t/>
-            </a:r>
+            <a:endParaRPr/>
           </a:p>
           <a:p>
             <a:pPr lvl="4"/>
-            <a:r>
-              <a:t/>
-            </a:r>
+            <a:endParaRPr/>
           </a:p>
         </p:txBody>
       </p:sp>
       <p:sp>
         <p:nvSpPr>
           <p:cNvPr id="107" name="Fact information"/>
-          <p:cNvSpPr txBox="1"/>
+          <p:cNvSpPr txBox="1">
+            <a:spLocks noGrp="1"/>
+          </p:cNvSpPr>
           <p:nvPr>
             <p:ph type="body" sz="quarter" idx="21" hasCustomPrompt="1"/>
           </p:nvPr>
@@ -1169,11 +1166,10 @@
               </a:spcBef>
               <a:buSzTx/>
               <a:buNone/>
-              <a:defRPr b="1" sz="5500"/>
+              <a:defRPr sz="5500" b="1"/>
             </a:lvl1pPr>
           </a:lstStyle>
           <a:p>
-            <a:pPr/>
             <a:r>
               <a:t>Fact information</a:t>
             </a:r>
@@ -1183,7 +1179,9 @@
       <p:sp>
         <p:nvSpPr>
           <p:cNvPr id="108" name="Slide Number"/>
-          <p:cNvSpPr txBox="1"/>
+          <p:cNvSpPr txBox="1">
+            <a:spLocks noGrp="1"/>
+          </p:cNvSpPr>
           <p:nvPr>
             <p:ph type="sldNum" sz="quarter" idx="2"/>
           </p:nvPr>
@@ -1197,8 +1195,10 @@
           <a:bodyPr/>
           <a:lstStyle/>
           <a:p>
-            <a:pPr/>
-            <a:fld id="{86CB4B4D-7CA3-9044-876B-883B54F8677D}" type="slidenum"/>
+            <a:fld id="{86CB4B4D-7CA3-9044-876B-883B54F8677D}" type="slidenum">
+              <a:t>‹#›</a:t>
+            </a:fld>
+            <a:endParaRPr/>
           </a:p>
         </p:txBody>
       </p:sp>
@@ -1207,12 +1207,12 @@
   <p:clrMapOvr>
     <a:masterClrMapping/>
   </p:clrMapOvr>
-  <p:transition xmlns:p14="http://schemas.microsoft.com/office/powerpoint/2010/main" spd="med" advClick="1"/>
+  <p:transition spd="med"/>
 </p:sldLayout>
 </file>
 
 <file path=ppt/slideLayouts/slideLayout12.xml><?xml version="1.0" encoding="utf-8"?>
-<p:sldLayout xmlns:a="http://schemas.openxmlformats.org/drawingml/2006/main" xmlns:r="http://schemas.openxmlformats.org/officeDocument/2006/relationships" xmlns:p="http://schemas.openxmlformats.org/presentationml/2006/main" xmlns:m="http://schemas.openxmlformats.org/officeDocument/2006/math" xmlns:a14="http://schemas.microsoft.com/office/drawing/2010/main" type="tx" showMasterSp="1" showMasterPhAnim="1">
+<p:sldLayout xmlns:a="http://schemas.openxmlformats.org/drawingml/2006/main" xmlns:r="http://schemas.openxmlformats.org/officeDocument/2006/relationships" xmlns:p="http://schemas.openxmlformats.org/presentationml/2006/main" type="tx">
   <p:cSld name="Quote">
     <p:spTree>
       <p:nvGrpSpPr>
@@ -1231,7 +1231,9 @@
       <p:sp>
         <p:nvSpPr>
           <p:cNvPr id="115" name="Attribution"/>
-          <p:cNvSpPr txBox="1"/>
+          <p:cNvSpPr txBox="1">
+            <a:spLocks noGrp="1"/>
+          </p:cNvSpPr>
           <p:nvPr>
             <p:ph type="body" sz="quarter" idx="21" hasCustomPrompt="1"/>
           </p:nvPr>
@@ -1257,11 +1259,10 @@
               </a:spcBef>
               <a:buSzTx/>
               <a:buNone/>
-              <a:defRPr b="1" sz="3600"/>
+              <a:defRPr sz="3600" b="1"/>
             </a:lvl1pPr>
           </a:lstStyle>
           <a:p>
-            <a:pPr/>
             <a:r>
               <a:t>Attribution</a:t>
             </a:r>
@@ -1271,7 +1272,9 @@
       <p:sp>
         <p:nvSpPr>
           <p:cNvPr id="116" name="Body Level One…"/>
-          <p:cNvSpPr txBox="1"/>
+          <p:cNvSpPr txBox="1">
+            <a:spLocks noGrp="1"/>
+          </p:cNvSpPr>
           <p:nvPr>
             <p:ph type="body" sz="half" idx="1" hasCustomPrompt="1"/>
           </p:nvPr>
@@ -1294,7 +1297,7 @@
               </a:spcBef>
               <a:buSzTx/>
               <a:buNone/>
-              <a:defRPr spc="-170" sz="8500">
+              <a:defRPr sz="8500" spc="-170">
                 <a:solidFill>
                   <a:schemeClr val="accent1">
                     <a:hueOff val="114395"/>
@@ -1313,7 +1316,7 @@
               </a:spcBef>
               <a:buSzTx/>
               <a:buNone/>
-              <a:defRPr spc="-170" sz="8500">
+              <a:defRPr sz="8500" spc="-170">
                 <a:solidFill>
                   <a:schemeClr val="accent1">
                     <a:hueOff val="114395"/>
@@ -1332,7 +1335,7 @@
               </a:spcBef>
               <a:buSzTx/>
               <a:buNone/>
-              <a:defRPr spc="-170" sz="8500">
+              <a:defRPr sz="8500" spc="-170">
                 <a:solidFill>
                   <a:schemeClr val="accent1">
                     <a:hueOff val="114395"/>
@@ -1351,7 +1354,7 @@
               </a:spcBef>
               <a:buSzTx/>
               <a:buNone/>
-              <a:defRPr spc="-170" sz="8500">
+              <a:defRPr sz="8500" spc="-170">
                 <a:solidFill>
                   <a:schemeClr val="accent1">
                     <a:hueOff val="114395"/>
@@ -1370,7 +1373,7 @@
               </a:spcBef>
               <a:buSzTx/>
               <a:buNone/>
-              <a:defRPr spc="-170" sz="8500">
+              <a:defRPr sz="8500" spc="-170">
                 <a:solidFill>
                   <a:schemeClr val="accent1">
                     <a:hueOff val="114395"/>
@@ -1385,41 +1388,34 @@
             </a:lvl5pPr>
           </a:lstStyle>
           <a:p>
-            <a:pPr/>
             <a:r>
               <a:t>“Notable Quote”</a:t>
             </a:r>
           </a:p>
           <a:p>
             <a:pPr lvl="1"/>
-            <a:r>
-              <a:t/>
-            </a:r>
+            <a:endParaRPr/>
           </a:p>
           <a:p>
             <a:pPr lvl="2"/>
-            <a:r>
-              <a:t/>
-            </a:r>
+            <a:endParaRPr/>
           </a:p>
           <a:p>
             <a:pPr lvl="3"/>
-            <a:r>
-              <a:t/>
-            </a:r>
+            <a:endParaRPr/>
           </a:p>
           <a:p>
             <a:pPr lvl="4"/>
-            <a:r>
-              <a:t/>
-            </a:r>
+            <a:endParaRPr/>
           </a:p>
         </p:txBody>
       </p:sp>
       <p:sp>
         <p:nvSpPr>
           <p:cNvPr id="117" name="Slide Number"/>
-          <p:cNvSpPr txBox="1"/>
+          <p:cNvSpPr txBox="1">
+            <a:spLocks noGrp="1"/>
+          </p:cNvSpPr>
           <p:nvPr>
             <p:ph type="sldNum" sz="quarter" idx="2"/>
           </p:nvPr>
@@ -1433,8 +1429,10 @@
           <a:bodyPr/>
           <a:lstStyle/>
           <a:p>
-            <a:pPr/>
-            <a:fld id="{86CB4B4D-7CA3-9044-876B-883B54F8677D}" type="slidenum"/>
+            <a:fld id="{86CB4B4D-7CA3-9044-876B-883B54F8677D}" type="slidenum">
+              <a:t>‹#›</a:t>
+            </a:fld>
+            <a:endParaRPr/>
           </a:p>
         </p:txBody>
       </p:sp>
@@ -1443,12 +1441,12 @@
   <p:clrMapOvr>
     <a:masterClrMapping/>
   </p:clrMapOvr>
-  <p:transition xmlns:p14="http://schemas.microsoft.com/office/powerpoint/2010/main" spd="med" advClick="1"/>
+  <p:transition spd="med"/>
 </p:sldLayout>
 </file>
 
 <file path=ppt/slideLayouts/slideLayout13.xml><?xml version="1.0" encoding="utf-8"?>
-<p:sldLayout xmlns:a="http://schemas.openxmlformats.org/drawingml/2006/main" xmlns:r="http://schemas.openxmlformats.org/officeDocument/2006/relationships" xmlns:p="http://schemas.openxmlformats.org/presentationml/2006/main" xmlns:m="http://schemas.openxmlformats.org/officeDocument/2006/math" xmlns:a14="http://schemas.microsoft.com/office/drawing/2010/main" type="tx" showMasterSp="1" showMasterPhAnim="1">
+<p:sldLayout xmlns:a="http://schemas.openxmlformats.org/drawingml/2006/main" xmlns:r="http://schemas.openxmlformats.org/officeDocument/2006/relationships" xmlns:p="http://schemas.openxmlformats.org/presentationml/2006/main" type="tx">
   <p:cSld name="Photo - 3 Up">
     <p:spTree>
       <p:nvGrpSpPr>
@@ -1467,7 +1465,9 @@
       <p:sp>
         <p:nvSpPr>
           <p:cNvPr id="124" name="Hot-air balloons viewed from below against a blue sky"/>
-          <p:cNvSpPr/>
+          <p:cNvSpPr>
+            <a:spLocks noGrp="1"/>
+          </p:cNvSpPr>
           <p:nvPr>
             <p:ph type="pic" sz="quarter" idx="21"/>
           </p:nvPr>
@@ -1487,14 +1487,16 @@
           </a:bodyPr>
           <a:lstStyle/>
           <a:p>
-            <a:pPr/>
+            <a:endParaRPr/>
           </a:p>
         </p:txBody>
       </p:sp>
       <p:sp>
         <p:nvSpPr>
           <p:cNvPr id="125" name="Close-up of the top of a hot-air balloon viewed from above"/>
-          <p:cNvSpPr/>
+          <p:cNvSpPr>
+            <a:spLocks noGrp="1"/>
+          </p:cNvSpPr>
           <p:nvPr>
             <p:ph type="pic" sz="quarter" idx="22"/>
           </p:nvPr>
@@ -1514,14 +1516,16 @@
           </a:bodyPr>
           <a:lstStyle/>
           <a:p>
-            <a:pPr/>
+            <a:endParaRPr/>
           </a:p>
         </p:txBody>
       </p:sp>
       <p:sp>
         <p:nvSpPr>
           <p:cNvPr id="126" name="Hot-air balloons viewed from below against a blue sky"/>
-          <p:cNvSpPr/>
+          <p:cNvSpPr>
+            <a:spLocks noGrp="1"/>
+          </p:cNvSpPr>
           <p:nvPr>
             <p:ph type="pic" idx="23"/>
           </p:nvPr>
@@ -1541,14 +1545,16 @@
           </a:bodyPr>
           <a:lstStyle/>
           <a:p>
-            <a:pPr/>
+            <a:endParaRPr/>
           </a:p>
         </p:txBody>
       </p:sp>
       <p:sp>
         <p:nvSpPr>
           <p:cNvPr id="127" name="Slide Number"/>
-          <p:cNvSpPr txBox="1"/>
+          <p:cNvSpPr txBox="1">
+            <a:spLocks noGrp="1"/>
+          </p:cNvSpPr>
           <p:nvPr>
             <p:ph type="sldNum" sz="quarter" idx="2"/>
           </p:nvPr>
@@ -1562,8 +1568,10 @@
           <a:bodyPr/>
           <a:lstStyle/>
           <a:p>
-            <a:pPr/>
-            <a:fld id="{86CB4B4D-7CA3-9044-876B-883B54F8677D}" type="slidenum"/>
+            <a:fld id="{86CB4B4D-7CA3-9044-876B-883B54F8677D}" type="slidenum">
+              <a:t>‹#›</a:t>
+            </a:fld>
+            <a:endParaRPr/>
           </a:p>
         </p:txBody>
       </p:sp>
@@ -1572,12 +1580,12 @@
   <p:clrMapOvr>
     <a:masterClrMapping/>
   </p:clrMapOvr>
-  <p:transition xmlns:p14="http://schemas.microsoft.com/office/powerpoint/2010/main" spd="med" advClick="1"/>
+  <p:transition spd="med"/>
 </p:sldLayout>
 </file>
 
 <file path=ppt/slideLayouts/slideLayout14.xml><?xml version="1.0" encoding="utf-8"?>
-<p:sldLayout xmlns:a="http://schemas.openxmlformats.org/drawingml/2006/main" xmlns:r="http://schemas.openxmlformats.org/officeDocument/2006/relationships" xmlns:p="http://schemas.openxmlformats.org/presentationml/2006/main" xmlns:m="http://schemas.openxmlformats.org/officeDocument/2006/math" xmlns:a14="http://schemas.microsoft.com/office/drawing/2010/main" type="tx" showMasterSp="1" showMasterPhAnim="1">
+<p:sldLayout xmlns:a="http://schemas.openxmlformats.org/drawingml/2006/main" xmlns:r="http://schemas.openxmlformats.org/officeDocument/2006/relationships" xmlns:p="http://schemas.openxmlformats.org/presentationml/2006/main" type="tx">
   <p:cSld name="Photo">
     <p:spTree>
       <p:nvGrpSpPr>
@@ -1596,7 +1604,9 @@
       <p:sp>
         <p:nvSpPr>
           <p:cNvPr id="134" name="Hot-air balloons viewed from below against a blue sky"/>
-          <p:cNvSpPr/>
+          <p:cNvSpPr>
+            <a:spLocks noGrp="1"/>
+          </p:cNvSpPr>
           <p:nvPr>
             <p:ph type="pic" idx="21"/>
           </p:nvPr>
@@ -1616,14 +1626,16 @@
           </a:bodyPr>
           <a:lstStyle/>
           <a:p>
-            <a:pPr/>
+            <a:endParaRPr/>
           </a:p>
         </p:txBody>
       </p:sp>
       <p:sp>
         <p:nvSpPr>
           <p:cNvPr id="135" name="Slide Number"/>
-          <p:cNvSpPr txBox="1"/>
+          <p:cNvSpPr txBox="1">
+            <a:spLocks noGrp="1"/>
+          </p:cNvSpPr>
           <p:nvPr>
             <p:ph type="sldNum" sz="quarter" idx="2"/>
           </p:nvPr>
@@ -1645,8 +1657,10 @@
             </a:lvl1pPr>
           </a:lstStyle>
           <a:p>
-            <a:pPr/>
-            <a:fld id="{86CB4B4D-7CA3-9044-876B-883B54F8677D}" type="slidenum"/>
+            <a:fld id="{86CB4B4D-7CA3-9044-876B-883B54F8677D}" type="slidenum">
+              <a:t>‹#›</a:t>
+            </a:fld>
+            <a:endParaRPr/>
           </a:p>
         </p:txBody>
       </p:sp>
@@ -1655,12 +1669,12 @@
   <p:clrMapOvr>
     <a:masterClrMapping/>
   </p:clrMapOvr>
-  <p:transition xmlns:p14="http://schemas.microsoft.com/office/powerpoint/2010/main" spd="med" advClick="1"/>
+  <p:transition spd="med"/>
 </p:sldLayout>
 </file>
 
 <file path=ppt/slideLayouts/slideLayout15.xml><?xml version="1.0" encoding="utf-8"?>
-<p:sldLayout xmlns:a="http://schemas.openxmlformats.org/drawingml/2006/main" xmlns:r="http://schemas.openxmlformats.org/officeDocument/2006/relationships" xmlns:p="http://schemas.openxmlformats.org/presentationml/2006/main" xmlns:m="http://schemas.openxmlformats.org/officeDocument/2006/math" xmlns:a14="http://schemas.microsoft.com/office/drawing/2010/main" type="tx" showMasterSp="1" showMasterPhAnim="1">
+<p:sldLayout xmlns:a="http://schemas.openxmlformats.org/drawingml/2006/main" xmlns:r="http://schemas.openxmlformats.org/officeDocument/2006/relationships" xmlns:p="http://schemas.openxmlformats.org/presentationml/2006/main" type="tx">
   <p:cSld name="Blank">
     <p:spTree>
       <p:nvGrpSpPr>
@@ -1679,7 +1693,9 @@
       <p:sp>
         <p:nvSpPr>
           <p:cNvPr id="142" name="Slide Number"/>
-          <p:cNvSpPr txBox="1"/>
+          <p:cNvSpPr txBox="1">
+            <a:spLocks noGrp="1"/>
+          </p:cNvSpPr>
           <p:nvPr>
             <p:ph type="sldNum" sz="quarter" idx="2"/>
           </p:nvPr>
@@ -1693,8 +1709,10 @@
           <a:bodyPr/>
           <a:lstStyle/>
           <a:p>
-            <a:pPr/>
-            <a:fld id="{86CB4B4D-7CA3-9044-876B-883B54F8677D}" type="slidenum"/>
+            <a:fld id="{86CB4B4D-7CA3-9044-876B-883B54F8677D}" type="slidenum">
+              <a:t>‹#›</a:t>
+            </a:fld>
+            <a:endParaRPr/>
           </a:p>
         </p:txBody>
       </p:sp>
@@ -1703,12 +1721,12 @@
   <p:clrMapOvr>
     <a:masterClrMapping/>
   </p:clrMapOvr>
-  <p:transition xmlns:p14="http://schemas.microsoft.com/office/powerpoint/2010/main" spd="med" advClick="1"/>
+  <p:transition spd="med"/>
 </p:sldLayout>
 </file>
 
 <file path=ppt/slideLayouts/slideLayout2.xml><?xml version="1.0" encoding="utf-8"?>
-<p:sldLayout xmlns:a="http://schemas.openxmlformats.org/drawingml/2006/main" xmlns:r="http://schemas.openxmlformats.org/officeDocument/2006/relationships" xmlns:p="http://schemas.openxmlformats.org/presentationml/2006/main" xmlns:m="http://schemas.openxmlformats.org/officeDocument/2006/math" xmlns:a14="http://schemas.microsoft.com/office/drawing/2010/main" type="tx" showMasterSp="1" showMasterPhAnim="1">
+<p:sldLayout xmlns:a="http://schemas.openxmlformats.org/drawingml/2006/main" xmlns:r="http://schemas.openxmlformats.org/officeDocument/2006/relationships" xmlns:p="http://schemas.openxmlformats.org/presentationml/2006/main" type="tx">
   <p:cSld name="Title &amp; Photo">
     <p:spTree>
       <p:nvGrpSpPr>
@@ -1727,7 +1745,9 @@
       <p:sp>
         <p:nvSpPr>
           <p:cNvPr id="21" name="Close-up of the top of a hot-air balloon viewed from above"/>
-          <p:cNvSpPr/>
+          <p:cNvSpPr>
+            <a:spLocks noGrp="1"/>
+          </p:cNvSpPr>
           <p:nvPr>
             <p:ph type="pic" idx="21"/>
           </p:nvPr>
@@ -1747,14 +1767,16 @@
           </a:bodyPr>
           <a:lstStyle/>
           <a:p>
-            <a:pPr/>
+            <a:endParaRPr/>
           </a:p>
         </p:txBody>
       </p:sp>
       <p:sp>
         <p:nvSpPr>
           <p:cNvPr id="22" name="Presentation Title"/>
-          <p:cNvSpPr txBox="1"/>
+          <p:cNvSpPr txBox="1">
+            <a:spLocks noGrp="1"/>
+          </p:cNvSpPr>
           <p:nvPr>
             <p:ph type="title" hasCustomPrompt="1"/>
           </p:nvPr>
@@ -1772,7 +1794,7 @@
           <a:bodyPr anchor="b"/>
           <a:lstStyle>
             <a:lvl1pPr>
-              <a:defRPr spc="-232" sz="11600">
+              <a:defRPr sz="11600" spc="-232">
                 <a:solidFill>
                   <a:srgbClr val="FFFFFF"/>
                 </a:solidFill>
@@ -1780,7 +1802,6 @@
             </a:lvl1pPr>
           </a:lstStyle>
           <a:p>
-            <a:pPr/>
             <a:r>
               <a:t>Presentation Title</a:t>
             </a:r>
@@ -1790,7 +1811,9 @@
       <p:sp>
         <p:nvSpPr>
           <p:cNvPr id="23" name="Author and Date"/>
-          <p:cNvSpPr txBox="1"/>
+          <p:cNvSpPr txBox="1">
+            <a:spLocks noGrp="1"/>
+          </p:cNvSpPr>
           <p:nvPr>
             <p:ph type="body" sz="quarter" idx="22" hasCustomPrompt="1"/>
           </p:nvPr>
@@ -1816,11 +1839,10 @@
               </a:spcBef>
               <a:buSzTx/>
               <a:buNone/>
-              <a:defRPr b="1" sz="3600"/>
+              <a:defRPr sz="3600" b="1"/>
             </a:lvl1pPr>
           </a:lstStyle>
           <a:p>
-            <a:pPr/>
             <a:r>
               <a:t>Author and Date</a:t>
             </a:r>
@@ -1830,7 +1852,9 @@
       <p:sp>
         <p:nvSpPr>
           <p:cNvPr id="24" name="Body Level One…"/>
-          <p:cNvSpPr txBox="1"/>
+          <p:cNvSpPr txBox="1">
+            <a:spLocks noGrp="1"/>
+          </p:cNvSpPr>
           <p:nvPr>
             <p:ph type="body" sz="quarter" idx="1" hasCustomPrompt="1"/>
           </p:nvPr>
@@ -1856,7 +1880,7 @@
               </a:spcBef>
               <a:buSzTx/>
               <a:buNone/>
-              <a:defRPr b="1" sz="5500">
+              <a:defRPr sz="5500" b="1">
                 <a:solidFill>
                   <a:srgbClr val="FFFFFF"/>
                 </a:solidFill>
@@ -1871,7 +1895,7 @@
               </a:spcBef>
               <a:buSzTx/>
               <a:buNone/>
-              <a:defRPr b="1" sz="5500">
+              <a:defRPr sz="5500" b="1">
                 <a:solidFill>
                   <a:srgbClr val="FFFFFF"/>
                 </a:solidFill>
@@ -1886,7 +1910,7 @@
               </a:spcBef>
               <a:buSzTx/>
               <a:buNone/>
-              <a:defRPr b="1" sz="5500">
+              <a:defRPr sz="5500" b="1">
                 <a:solidFill>
                   <a:srgbClr val="FFFFFF"/>
                 </a:solidFill>
@@ -1901,7 +1925,7 @@
               </a:spcBef>
               <a:buSzTx/>
               <a:buNone/>
-              <a:defRPr b="1" sz="5500">
+              <a:defRPr sz="5500" b="1">
                 <a:solidFill>
                   <a:srgbClr val="FFFFFF"/>
                 </a:solidFill>
@@ -1916,7 +1940,7 @@
               </a:spcBef>
               <a:buSzTx/>
               <a:buNone/>
-              <a:defRPr b="1" sz="5500">
+              <a:defRPr sz="5500" b="1">
                 <a:solidFill>
                   <a:srgbClr val="FFFFFF"/>
                 </a:solidFill>
@@ -1924,41 +1948,34 @@
             </a:lvl5pPr>
           </a:lstStyle>
           <a:p>
-            <a:pPr/>
             <a:r>
               <a:t>Presentation Subtitle</a:t>
             </a:r>
           </a:p>
           <a:p>
             <a:pPr lvl="1"/>
-            <a:r>
-              <a:t/>
-            </a:r>
+            <a:endParaRPr/>
           </a:p>
           <a:p>
             <a:pPr lvl="2"/>
-            <a:r>
-              <a:t/>
-            </a:r>
+            <a:endParaRPr/>
           </a:p>
           <a:p>
             <a:pPr lvl="3"/>
-            <a:r>
-              <a:t/>
-            </a:r>
+            <a:endParaRPr/>
           </a:p>
           <a:p>
             <a:pPr lvl="4"/>
-            <a:r>
-              <a:t/>
-            </a:r>
+            <a:endParaRPr/>
           </a:p>
         </p:txBody>
       </p:sp>
       <p:sp>
         <p:nvSpPr>
           <p:cNvPr id="25" name="Slide Number"/>
-          <p:cNvSpPr txBox="1"/>
+          <p:cNvSpPr txBox="1">
+            <a:spLocks noGrp="1"/>
+          </p:cNvSpPr>
           <p:nvPr>
             <p:ph type="sldNum" sz="quarter" idx="2"/>
           </p:nvPr>
@@ -1980,8 +1997,10 @@
             </a:lvl1pPr>
           </a:lstStyle>
           <a:p>
-            <a:pPr/>
-            <a:fld id="{86CB4B4D-7CA3-9044-876B-883B54F8677D}" type="slidenum"/>
+            <a:fld id="{86CB4B4D-7CA3-9044-876B-883B54F8677D}" type="slidenum">
+              <a:t>‹#›</a:t>
+            </a:fld>
+            <a:endParaRPr/>
           </a:p>
         </p:txBody>
       </p:sp>
@@ -1990,12 +2009,12 @@
   <p:clrMapOvr>
     <a:masterClrMapping/>
   </p:clrMapOvr>
-  <p:transition xmlns:p14="http://schemas.microsoft.com/office/powerpoint/2010/main" spd="med" advClick="1"/>
+  <p:transition spd="med"/>
 </p:sldLayout>
 </file>
 
 <file path=ppt/slideLayouts/slideLayout3.xml><?xml version="1.0" encoding="utf-8"?>
-<p:sldLayout xmlns:a="http://schemas.openxmlformats.org/drawingml/2006/main" xmlns:r="http://schemas.openxmlformats.org/officeDocument/2006/relationships" xmlns:p="http://schemas.openxmlformats.org/presentationml/2006/main" xmlns:m="http://schemas.openxmlformats.org/officeDocument/2006/math" xmlns:a14="http://schemas.microsoft.com/office/drawing/2010/main" type="tx" showMasterSp="1" showMasterPhAnim="1">
+<p:sldLayout xmlns:a="http://schemas.openxmlformats.org/drawingml/2006/main" xmlns:r="http://schemas.openxmlformats.org/officeDocument/2006/relationships" xmlns:p="http://schemas.openxmlformats.org/presentationml/2006/main" type="tx">
   <p:cSld name="Title &amp; Photo Alt">
     <p:spTree>
       <p:nvGrpSpPr>
@@ -2014,7 +2033,9 @@
       <p:sp>
         <p:nvSpPr>
           <p:cNvPr id="32" name="Close-up of a hot-air balloon viewed from below"/>
-          <p:cNvSpPr/>
+          <p:cNvSpPr>
+            <a:spLocks noGrp="1"/>
+          </p:cNvSpPr>
           <p:nvPr>
             <p:ph type="pic" idx="21"/>
           </p:nvPr>
@@ -2034,14 +2055,16 @@
           </a:bodyPr>
           <a:lstStyle/>
           <a:p>
-            <a:pPr/>
+            <a:endParaRPr/>
           </a:p>
         </p:txBody>
       </p:sp>
       <p:sp>
         <p:nvSpPr>
           <p:cNvPr id="33" name="Slide Title"/>
-          <p:cNvSpPr txBox="1"/>
+          <p:cNvSpPr txBox="1">
+            <a:spLocks noGrp="1"/>
+          </p:cNvSpPr>
           <p:nvPr>
             <p:ph type="title" hasCustomPrompt="1"/>
           </p:nvPr>
@@ -2059,7 +2082,6 @@
           <a:bodyPr anchor="b"/>
           <a:lstStyle/>
           <a:p>
-            <a:pPr/>
             <a:r>
               <a:t>Slide Title</a:t>
             </a:r>
@@ -2069,7 +2091,9 @@
       <p:sp>
         <p:nvSpPr>
           <p:cNvPr id="34" name="Body Level One…"/>
-          <p:cNvSpPr txBox="1"/>
+          <p:cNvSpPr txBox="1">
+            <a:spLocks noGrp="1"/>
+          </p:cNvSpPr>
           <p:nvPr>
             <p:ph type="body" sz="quarter" idx="1" hasCustomPrompt="1"/>
           </p:nvPr>
@@ -2095,7 +2119,7 @@
               </a:spcBef>
               <a:buSzTx/>
               <a:buNone/>
-              <a:defRPr b="1" sz="5500"/>
+              <a:defRPr sz="5500" b="1"/>
             </a:lvl1pPr>
             <a:lvl2pPr marL="0" indent="457200" defTabSz="825500">
               <a:lnSpc>
@@ -2106,7 +2130,7 @@
               </a:spcBef>
               <a:buSzTx/>
               <a:buNone/>
-              <a:defRPr b="1" sz="5500"/>
+              <a:defRPr sz="5500" b="1"/>
             </a:lvl2pPr>
             <a:lvl3pPr marL="0" indent="914400" defTabSz="825500">
               <a:lnSpc>
@@ -2117,7 +2141,7 @@
               </a:spcBef>
               <a:buSzTx/>
               <a:buNone/>
-              <a:defRPr b="1" sz="5500"/>
+              <a:defRPr sz="5500" b="1"/>
             </a:lvl3pPr>
             <a:lvl4pPr marL="0" indent="1371600" defTabSz="825500">
               <a:lnSpc>
@@ -2128,7 +2152,7 @@
               </a:spcBef>
               <a:buSzTx/>
               <a:buNone/>
-              <a:defRPr b="1" sz="5500"/>
+              <a:defRPr sz="5500" b="1"/>
             </a:lvl4pPr>
             <a:lvl5pPr marL="0" indent="1828800" defTabSz="825500">
               <a:lnSpc>
@@ -2139,45 +2163,38 @@
               </a:spcBef>
               <a:buSzTx/>
               <a:buNone/>
-              <a:defRPr b="1" sz="5500"/>
+              <a:defRPr sz="5500" b="1"/>
             </a:lvl5pPr>
           </a:lstStyle>
           <a:p>
-            <a:pPr/>
             <a:r>
               <a:t>Slide Subtitle</a:t>
             </a:r>
           </a:p>
           <a:p>
             <a:pPr lvl="1"/>
-            <a:r>
-              <a:t/>
-            </a:r>
+            <a:endParaRPr/>
           </a:p>
           <a:p>
             <a:pPr lvl="2"/>
-            <a:r>
-              <a:t/>
-            </a:r>
+            <a:endParaRPr/>
           </a:p>
           <a:p>
             <a:pPr lvl="3"/>
-            <a:r>
-              <a:t/>
-            </a:r>
+            <a:endParaRPr/>
           </a:p>
           <a:p>
             <a:pPr lvl="4"/>
-            <a:r>
-              <a:t/>
-            </a:r>
+            <a:endParaRPr/>
           </a:p>
         </p:txBody>
       </p:sp>
       <p:sp>
         <p:nvSpPr>
           <p:cNvPr id="35" name="Slide Number"/>
-          <p:cNvSpPr txBox="1"/>
+          <p:cNvSpPr txBox="1">
+            <a:spLocks noGrp="1"/>
+          </p:cNvSpPr>
           <p:nvPr>
             <p:ph type="sldNum" sz="quarter" idx="2"/>
           </p:nvPr>
@@ -2195,8 +2212,10 @@
           <a:bodyPr/>
           <a:lstStyle/>
           <a:p>
-            <a:pPr/>
-            <a:fld id="{86CB4B4D-7CA3-9044-876B-883B54F8677D}" type="slidenum"/>
+            <a:fld id="{86CB4B4D-7CA3-9044-876B-883B54F8677D}" type="slidenum">
+              <a:t>‹#›</a:t>
+            </a:fld>
+            <a:endParaRPr/>
           </a:p>
         </p:txBody>
       </p:sp>
@@ -2205,12 +2224,12 @@
   <p:clrMapOvr>
     <a:masterClrMapping/>
   </p:clrMapOvr>
-  <p:transition xmlns:p14="http://schemas.microsoft.com/office/powerpoint/2010/main" spd="med" advClick="1"/>
+  <p:transition spd="med"/>
 </p:sldLayout>
 </file>
 
 <file path=ppt/slideLayouts/slideLayout4.xml><?xml version="1.0" encoding="utf-8"?>
-<p:sldLayout xmlns:a="http://schemas.openxmlformats.org/drawingml/2006/main" xmlns:r="http://schemas.openxmlformats.org/officeDocument/2006/relationships" xmlns:p="http://schemas.openxmlformats.org/presentationml/2006/main" xmlns:m="http://schemas.openxmlformats.org/officeDocument/2006/math" xmlns:a14="http://schemas.microsoft.com/office/drawing/2010/main" type="tx" showMasterSp="1" showMasterPhAnim="1">
+<p:sldLayout xmlns:a="http://schemas.openxmlformats.org/drawingml/2006/main" xmlns:r="http://schemas.openxmlformats.org/officeDocument/2006/relationships" xmlns:p="http://schemas.openxmlformats.org/presentationml/2006/main" type="tx">
   <p:cSld name="Title &amp; Bullets">
     <p:spTree>
       <p:nvGrpSpPr>
@@ -2229,7 +2248,9 @@
       <p:sp>
         <p:nvSpPr>
           <p:cNvPr id="42" name="Slide Title"/>
-          <p:cNvSpPr txBox="1"/>
+          <p:cNvSpPr txBox="1">
+            <a:spLocks noGrp="1"/>
+          </p:cNvSpPr>
           <p:nvPr>
             <p:ph type="title" hasCustomPrompt="1"/>
           </p:nvPr>
@@ -2243,7 +2264,6 @@
           <a:bodyPr/>
           <a:lstStyle/>
           <a:p>
-            <a:pPr/>
             <a:r>
               <a:t>Slide Title</a:t>
             </a:r>
@@ -2253,7 +2273,9 @@
       <p:sp>
         <p:nvSpPr>
           <p:cNvPr id="43" name="Slide Subtitle"/>
-          <p:cNvSpPr txBox="1"/>
+          <p:cNvSpPr txBox="1">
+            <a:spLocks noGrp="1"/>
+          </p:cNvSpPr>
           <p:nvPr>
             <p:ph type="body" sz="quarter" idx="21" hasCustomPrompt="1"/>
           </p:nvPr>
@@ -2279,11 +2301,10 @@
               </a:spcBef>
               <a:buSzTx/>
               <a:buNone/>
-              <a:defRPr b="1" sz="5500"/>
+              <a:defRPr sz="5500" b="1"/>
             </a:lvl1pPr>
           </a:lstStyle>
           <a:p>
-            <a:pPr/>
             <a:r>
               <a:t>Slide Subtitle</a:t>
             </a:r>
@@ -2293,7 +2314,9 @@
       <p:sp>
         <p:nvSpPr>
           <p:cNvPr id="44" name="Body Level One…"/>
-          <p:cNvSpPr txBox="1"/>
+          <p:cNvSpPr txBox="1">
+            <a:spLocks noGrp="1"/>
+          </p:cNvSpPr>
           <p:nvPr>
             <p:ph type="body" idx="1" hasCustomPrompt="1"/>
           </p:nvPr>
@@ -2307,41 +2330,34 @@
           <a:bodyPr/>
           <a:lstStyle/>
           <a:p>
-            <a:pPr/>
             <a:r>
               <a:t>Slide bullet text</a:t>
             </a:r>
           </a:p>
           <a:p>
             <a:pPr lvl="1"/>
-            <a:r>
-              <a:t/>
-            </a:r>
+            <a:endParaRPr/>
           </a:p>
           <a:p>
             <a:pPr lvl="2"/>
-            <a:r>
-              <a:t/>
-            </a:r>
+            <a:endParaRPr/>
           </a:p>
           <a:p>
             <a:pPr lvl="3"/>
-            <a:r>
-              <a:t/>
-            </a:r>
+            <a:endParaRPr/>
           </a:p>
           <a:p>
             <a:pPr lvl="4"/>
-            <a:r>
-              <a:t/>
-            </a:r>
+            <a:endParaRPr/>
           </a:p>
         </p:txBody>
       </p:sp>
       <p:sp>
         <p:nvSpPr>
           <p:cNvPr id="45" name="Slide Number"/>
-          <p:cNvSpPr txBox="1"/>
+          <p:cNvSpPr txBox="1">
+            <a:spLocks noGrp="1"/>
+          </p:cNvSpPr>
           <p:nvPr>
             <p:ph type="sldNum" sz="quarter" idx="2"/>
           </p:nvPr>
@@ -2355,8 +2371,10 @@
           <a:bodyPr/>
           <a:lstStyle/>
           <a:p>
-            <a:pPr/>
-            <a:fld id="{86CB4B4D-7CA3-9044-876B-883B54F8677D}" type="slidenum"/>
+            <a:fld id="{86CB4B4D-7CA3-9044-876B-883B54F8677D}" type="slidenum">
+              <a:t>‹#›</a:t>
+            </a:fld>
+            <a:endParaRPr/>
           </a:p>
         </p:txBody>
       </p:sp>
@@ -2365,12 +2383,12 @@
   <p:clrMapOvr>
     <a:masterClrMapping/>
   </p:clrMapOvr>
-  <p:transition xmlns:p14="http://schemas.microsoft.com/office/powerpoint/2010/main" spd="med" advClick="1"/>
+  <p:transition spd="med"/>
 </p:sldLayout>
 </file>
 
 <file path=ppt/slideLayouts/slideLayout5.xml><?xml version="1.0" encoding="utf-8"?>
-<p:sldLayout xmlns:a="http://schemas.openxmlformats.org/drawingml/2006/main" xmlns:r="http://schemas.openxmlformats.org/officeDocument/2006/relationships" xmlns:p="http://schemas.openxmlformats.org/presentationml/2006/main" xmlns:m="http://schemas.openxmlformats.org/officeDocument/2006/math" xmlns:a14="http://schemas.microsoft.com/office/drawing/2010/main" type="tx" showMasterSp="1" showMasterPhAnim="1">
+<p:sldLayout xmlns:a="http://schemas.openxmlformats.org/drawingml/2006/main" xmlns:r="http://schemas.openxmlformats.org/officeDocument/2006/relationships" xmlns:p="http://schemas.openxmlformats.org/presentationml/2006/main" type="tx">
   <p:cSld name="Bullets">
     <p:spTree>
       <p:nvGrpSpPr>
@@ -2389,7 +2407,9 @@
       <p:sp>
         <p:nvSpPr>
           <p:cNvPr id="52" name="Body Level One…"/>
-          <p:cNvSpPr txBox="1"/>
+          <p:cNvSpPr txBox="1">
+            <a:spLocks noGrp="1"/>
+          </p:cNvSpPr>
           <p:nvPr>
             <p:ph type="body" idx="1" hasCustomPrompt="1"/>
           </p:nvPr>
@@ -2403,41 +2423,34 @@
           <a:bodyPr numCol="2" spcCol="1098550"/>
           <a:lstStyle/>
           <a:p>
-            <a:pPr/>
             <a:r>
               <a:t>Slide bullet text</a:t>
             </a:r>
           </a:p>
           <a:p>
             <a:pPr lvl="1"/>
-            <a:r>
-              <a:t/>
-            </a:r>
+            <a:endParaRPr/>
           </a:p>
           <a:p>
             <a:pPr lvl="2"/>
-            <a:r>
-              <a:t/>
-            </a:r>
+            <a:endParaRPr/>
           </a:p>
           <a:p>
             <a:pPr lvl="3"/>
-            <a:r>
-              <a:t/>
-            </a:r>
+            <a:endParaRPr/>
           </a:p>
           <a:p>
             <a:pPr lvl="4"/>
-            <a:r>
-              <a:t/>
-            </a:r>
+            <a:endParaRPr/>
           </a:p>
         </p:txBody>
       </p:sp>
       <p:sp>
         <p:nvSpPr>
           <p:cNvPr id="53" name="Slide Number"/>
-          <p:cNvSpPr txBox="1"/>
+          <p:cNvSpPr txBox="1">
+            <a:spLocks noGrp="1"/>
+          </p:cNvSpPr>
           <p:nvPr>
             <p:ph type="sldNum" sz="quarter" idx="2"/>
           </p:nvPr>
@@ -2451,8 +2464,10 @@
           <a:bodyPr/>
           <a:lstStyle/>
           <a:p>
-            <a:pPr/>
-            <a:fld id="{86CB4B4D-7CA3-9044-876B-883B54F8677D}" type="slidenum"/>
+            <a:fld id="{86CB4B4D-7CA3-9044-876B-883B54F8677D}" type="slidenum">
+              <a:t>‹#›</a:t>
+            </a:fld>
+            <a:endParaRPr/>
           </a:p>
         </p:txBody>
       </p:sp>
@@ -2461,12 +2476,12 @@
   <p:clrMapOvr>
     <a:masterClrMapping/>
   </p:clrMapOvr>
-  <p:transition xmlns:p14="http://schemas.microsoft.com/office/powerpoint/2010/main" spd="med" advClick="1"/>
+  <p:transition spd="med"/>
 </p:sldLayout>
 </file>
 
 <file path=ppt/slideLayouts/slideLayout6.xml><?xml version="1.0" encoding="utf-8"?>
-<p:sldLayout xmlns:a="http://schemas.openxmlformats.org/drawingml/2006/main" xmlns:r="http://schemas.openxmlformats.org/officeDocument/2006/relationships" xmlns:p="http://schemas.openxmlformats.org/presentationml/2006/main" xmlns:m="http://schemas.openxmlformats.org/officeDocument/2006/math" xmlns:a14="http://schemas.microsoft.com/office/drawing/2010/main" type="tx" showMasterSp="1" showMasterPhAnim="1">
+<p:sldLayout xmlns:a="http://schemas.openxmlformats.org/drawingml/2006/main" xmlns:r="http://schemas.openxmlformats.org/officeDocument/2006/relationships" xmlns:p="http://schemas.openxmlformats.org/presentationml/2006/main" type="tx">
   <p:cSld name="Title, Bullets &amp; Photo">
     <p:spTree>
       <p:nvGrpSpPr>
@@ -2485,7 +2500,9 @@
       <p:sp>
         <p:nvSpPr>
           <p:cNvPr id="60" name="Slide Subtitle"/>
-          <p:cNvSpPr txBox="1"/>
+          <p:cNvSpPr txBox="1">
+            <a:spLocks noGrp="1"/>
+          </p:cNvSpPr>
           <p:nvPr>
             <p:ph type="body" sz="quarter" idx="21" hasCustomPrompt="1"/>
           </p:nvPr>
@@ -2511,11 +2528,10 @@
               </a:spcBef>
               <a:buSzTx/>
               <a:buNone/>
-              <a:defRPr b="1" sz="5500"/>
+              <a:defRPr sz="5500" b="1"/>
             </a:lvl1pPr>
           </a:lstStyle>
           <a:p>
-            <a:pPr/>
             <a:r>
               <a:t>Slide Subtitle</a:t>
             </a:r>
@@ -2525,7 +2541,9 @@
       <p:sp>
         <p:nvSpPr>
           <p:cNvPr id="61" name="Body Level One…"/>
-          <p:cNvSpPr txBox="1"/>
+          <p:cNvSpPr txBox="1">
+            <a:spLocks noGrp="1"/>
+          </p:cNvSpPr>
           <p:nvPr>
             <p:ph type="body" sz="half" idx="1" hasCustomPrompt="1"/>
           </p:nvPr>
@@ -2543,41 +2561,34 @@
           <a:bodyPr/>
           <a:lstStyle/>
           <a:p>
-            <a:pPr/>
             <a:r>
               <a:t>Slide bullet text</a:t>
             </a:r>
           </a:p>
           <a:p>
             <a:pPr lvl="1"/>
-            <a:r>
-              <a:t/>
-            </a:r>
+            <a:endParaRPr/>
           </a:p>
           <a:p>
             <a:pPr lvl="2"/>
-            <a:r>
-              <a:t/>
-            </a:r>
+            <a:endParaRPr/>
           </a:p>
           <a:p>
             <a:pPr lvl="3"/>
-            <a:r>
-              <a:t/>
-            </a:r>
+            <a:endParaRPr/>
           </a:p>
           <a:p>
             <a:pPr lvl="4"/>
-            <a:r>
-              <a:t/>
-            </a:r>
+            <a:endParaRPr/>
           </a:p>
         </p:txBody>
       </p:sp>
       <p:sp>
         <p:nvSpPr>
           <p:cNvPr id="62" name="Hot-air balloons viewed from below against a blue sky"/>
-          <p:cNvSpPr/>
+          <p:cNvSpPr>
+            <a:spLocks noGrp="1"/>
+          </p:cNvSpPr>
           <p:nvPr>
             <p:ph type="pic" idx="22"/>
           </p:nvPr>
@@ -2597,14 +2608,16 @@
           </a:bodyPr>
           <a:lstStyle/>
           <a:p>
-            <a:pPr/>
+            <a:endParaRPr/>
           </a:p>
         </p:txBody>
       </p:sp>
       <p:sp>
         <p:nvSpPr>
           <p:cNvPr id="63" name="Slide Title"/>
-          <p:cNvSpPr txBox="1"/>
+          <p:cNvSpPr txBox="1">
+            <a:spLocks noGrp="1"/>
+          </p:cNvSpPr>
           <p:nvPr>
             <p:ph type="title" hasCustomPrompt="1"/>
           </p:nvPr>
@@ -2622,7 +2635,6 @@
           <a:bodyPr/>
           <a:lstStyle/>
           <a:p>
-            <a:pPr/>
             <a:r>
               <a:t>Slide Title</a:t>
             </a:r>
@@ -2632,7 +2644,9 @@
       <p:sp>
         <p:nvSpPr>
           <p:cNvPr id="64" name="Slide Number"/>
-          <p:cNvSpPr txBox="1"/>
+          <p:cNvSpPr txBox="1">
+            <a:spLocks noGrp="1"/>
+          </p:cNvSpPr>
           <p:nvPr>
             <p:ph type="sldNum" sz="quarter" idx="2"/>
           </p:nvPr>
@@ -2646,8 +2660,10 @@
           <a:bodyPr/>
           <a:lstStyle/>
           <a:p>
-            <a:pPr/>
-            <a:fld id="{86CB4B4D-7CA3-9044-876B-883B54F8677D}" type="slidenum"/>
+            <a:fld id="{86CB4B4D-7CA3-9044-876B-883B54F8677D}" type="slidenum">
+              <a:t>‹#›</a:t>
+            </a:fld>
+            <a:endParaRPr/>
           </a:p>
         </p:txBody>
       </p:sp>
@@ -2656,18 +2672,19 @@
   <p:clrMapOvr>
     <a:masterClrMapping/>
   </p:clrMapOvr>
-  <p:transition xmlns:p14="http://schemas.microsoft.com/office/powerpoint/2010/main" spd="med" advClick="1"/>
+  <p:transition spd="med"/>
 </p:sldLayout>
 </file>
 
 <file path=ppt/slideLayouts/slideLayout7.xml><?xml version="1.0" encoding="utf-8"?>
-<p:sldLayout xmlns:a="http://schemas.openxmlformats.org/drawingml/2006/main" xmlns:r="http://schemas.openxmlformats.org/officeDocument/2006/relationships" xmlns:p="http://schemas.openxmlformats.org/presentationml/2006/main" xmlns:m="http://schemas.openxmlformats.org/officeDocument/2006/math" xmlns:a14="http://schemas.microsoft.com/office/drawing/2010/main" type="tx" showMasterSp="1" showMasterPhAnim="1">
+<p:sldLayout xmlns:a="http://schemas.openxmlformats.org/drawingml/2006/main" xmlns:r="http://schemas.openxmlformats.org/officeDocument/2006/relationships" xmlns:p="http://schemas.openxmlformats.org/presentationml/2006/main" type="tx">
   <p:cSld name="Section">
     <p:bg>
       <p:bgPr>
         <a:solidFill>
           <a:srgbClr val="003462"/>
         </a:solidFill>
+        <a:effectLst/>
       </p:bgPr>
     </p:bg>
     <p:spTree>
@@ -2687,7 +2704,9 @@
       <p:sp>
         <p:nvSpPr>
           <p:cNvPr id="71" name="Section Title"/>
-          <p:cNvSpPr txBox="1"/>
+          <p:cNvSpPr txBox="1">
+            <a:spLocks noGrp="1"/>
+          </p:cNvSpPr>
           <p:nvPr>
             <p:ph type="title" hasCustomPrompt="1"/>
           </p:nvPr>
@@ -2705,7 +2724,7 @@
           <a:bodyPr anchor="ctr"/>
           <a:lstStyle>
             <a:lvl1pPr>
-              <a:defRPr b="0" spc="-232" sz="11600">
+              <a:defRPr sz="11600" b="0" spc="-232">
                 <a:solidFill>
                   <a:srgbClr val="FFFFFF"/>
                 </a:solidFill>
@@ -2717,7 +2736,6 @@
             </a:lvl1pPr>
           </a:lstStyle>
           <a:p>
-            <a:pPr/>
             <a:r>
               <a:t>Section Title</a:t>
             </a:r>
@@ -2727,7 +2745,9 @@
       <p:sp>
         <p:nvSpPr>
           <p:cNvPr id="72" name="Slide Number"/>
-          <p:cNvSpPr txBox="1"/>
+          <p:cNvSpPr txBox="1">
+            <a:spLocks noGrp="1"/>
+          </p:cNvSpPr>
           <p:nvPr>
             <p:ph type="sldNum" sz="quarter" idx="2"/>
           </p:nvPr>
@@ -2753,8 +2773,10 @@
             </a:lvl1pPr>
           </a:lstStyle>
           <a:p>
-            <a:pPr/>
-            <a:fld id="{86CB4B4D-7CA3-9044-876B-883B54F8677D}" type="slidenum"/>
+            <a:fld id="{86CB4B4D-7CA3-9044-876B-883B54F8677D}" type="slidenum">
+              <a:t>‹#›</a:t>
+            </a:fld>
+            <a:endParaRPr/>
           </a:p>
         </p:txBody>
       </p:sp>
@@ -2763,12 +2785,12 @@
   <p:clrMapOvr>
     <a:masterClrMapping/>
   </p:clrMapOvr>
-  <p:transition xmlns:p14="http://schemas.microsoft.com/office/powerpoint/2010/main" spd="med" advClick="1"/>
+  <p:transition spd="med"/>
 </p:sldLayout>
 </file>
 
 <file path=ppt/slideLayouts/slideLayout8.xml><?xml version="1.0" encoding="utf-8"?>
-<p:sldLayout xmlns:a="http://schemas.openxmlformats.org/drawingml/2006/main" xmlns:r="http://schemas.openxmlformats.org/officeDocument/2006/relationships" xmlns:p="http://schemas.openxmlformats.org/presentationml/2006/main" xmlns:m="http://schemas.openxmlformats.org/officeDocument/2006/math" xmlns:a14="http://schemas.microsoft.com/office/drawing/2010/main" type="tx" showMasterSp="1" showMasterPhAnim="1">
+<p:sldLayout xmlns:a="http://schemas.openxmlformats.org/drawingml/2006/main" xmlns:r="http://schemas.openxmlformats.org/officeDocument/2006/relationships" xmlns:p="http://schemas.openxmlformats.org/presentationml/2006/main" type="tx">
   <p:cSld name="Title Only">
     <p:spTree>
       <p:nvGrpSpPr>
@@ -2787,7 +2809,9 @@
       <p:sp>
         <p:nvSpPr>
           <p:cNvPr id="79" name="Slide Title"/>
-          <p:cNvSpPr txBox="1"/>
+          <p:cNvSpPr txBox="1">
+            <a:spLocks noGrp="1"/>
+          </p:cNvSpPr>
           <p:nvPr>
             <p:ph type="title" hasCustomPrompt="1"/>
           </p:nvPr>
@@ -2805,7 +2829,6 @@
           <a:bodyPr/>
           <a:lstStyle/>
           <a:p>
-            <a:pPr/>
             <a:r>
               <a:t>Slide Title</a:t>
             </a:r>
@@ -2815,7 +2838,9 @@
       <p:sp>
         <p:nvSpPr>
           <p:cNvPr id="80" name="Slide Subtitle"/>
-          <p:cNvSpPr txBox="1"/>
+          <p:cNvSpPr txBox="1">
+            <a:spLocks noGrp="1"/>
+          </p:cNvSpPr>
           <p:nvPr>
             <p:ph type="body" sz="quarter" idx="21" hasCustomPrompt="1"/>
           </p:nvPr>
@@ -2841,11 +2866,10 @@
               </a:spcBef>
               <a:buSzTx/>
               <a:buNone/>
-              <a:defRPr b="1" sz="5500"/>
+              <a:defRPr sz="5500" b="1"/>
             </a:lvl1pPr>
           </a:lstStyle>
           <a:p>
-            <a:pPr/>
             <a:r>
               <a:t>Slide Subtitle</a:t>
             </a:r>
@@ -2855,7 +2879,9 @@
       <p:sp>
         <p:nvSpPr>
           <p:cNvPr id="81" name="Slide Number"/>
-          <p:cNvSpPr txBox="1"/>
+          <p:cNvSpPr txBox="1">
+            <a:spLocks noGrp="1"/>
+          </p:cNvSpPr>
           <p:nvPr>
             <p:ph type="sldNum" sz="quarter" idx="2"/>
           </p:nvPr>
@@ -2869,8 +2895,10 @@
           <a:bodyPr/>
           <a:lstStyle/>
           <a:p>
-            <a:pPr/>
-            <a:fld id="{86CB4B4D-7CA3-9044-876B-883B54F8677D}" type="slidenum"/>
+            <a:fld id="{86CB4B4D-7CA3-9044-876B-883B54F8677D}" type="slidenum">
+              <a:t>‹#›</a:t>
+            </a:fld>
+            <a:endParaRPr/>
           </a:p>
         </p:txBody>
       </p:sp>
@@ -2879,12 +2907,12 @@
   <p:clrMapOvr>
     <a:masterClrMapping/>
   </p:clrMapOvr>
-  <p:transition xmlns:p14="http://schemas.microsoft.com/office/powerpoint/2010/main" spd="med" advClick="1"/>
+  <p:transition spd="med"/>
 </p:sldLayout>
 </file>
 
 <file path=ppt/slideLayouts/slideLayout9.xml><?xml version="1.0" encoding="utf-8"?>
-<p:sldLayout xmlns:a="http://schemas.openxmlformats.org/drawingml/2006/main" xmlns:r="http://schemas.openxmlformats.org/officeDocument/2006/relationships" xmlns:p="http://schemas.openxmlformats.org/presentationml/2006/main" xmlns:m="http://schemas.openxmlformats.org/officeDocument/2006/math" xmlns:a14="http://schemas.microsoft.com/office/drawing/2010/main" type="tx" showMasterSp="1" showMasterPhAnim="1">
+<p:sldLayout xmlns:a="http://schemas.openxmlformats.org/drawingml/2006/main" xmlns:r="http://schemas.openxmlformats.org/officeDocument/2006/relationships" xmlns:p="http://schemas.openxmlformats.org/presentationml/2006/main" type="tx">
   <p:cSld name="Agenda">
     <p:spTree>
       <p:nvGrpSpPr>
@@ -2903,7 +2931,9 @@
       <p:sp>
         <p:nvSpPr>
           <p:cNvPr id="88" name="Agenda Title"/>
-          <p:cNvSpPr txBox="1"/>
+          <p:cNvSpPr txBox="1">
+            <a:spLocks noGrp="1"/>
+          </p:cNvSpPr>
           <p:nvPr>
             <p:ph type="title" hasCustomPrompt="1"/>
           </p:nvPr>
@@ -2921,7 +2951,6 @@
           <a:bodyPr/>
           <a:lstStyle/>
           <a:p>
-            <a:pPr/>
             <a:r>
               <a:t>Agenda Title</a:t>
             </a:r>
@@ -2931,7 +2960,9 @@
       <p:sp>
         <p:nvSpPr>
           <p:cNvPr id="89" name="Agenda Subtitle"/>
-          <p:cNvSpPr txBox="1"/>
+          <p:cNvSpPr txBox="1">
+            <a:spLocks noGrp="1"/>
+          </p:cNvSpPr>
           <p:nvPr>
             <p:ph type="body" sz="quarter" idx="21" hasCustomPrompt="1"/>
           </p:nvPr>
@@ -2957,11 +2988,10 @@
               </a:spcBef>
               <a:buSzTx/>
               <a:buNone/>
-              <a:defRPr b="1" sz="5500"/>
+              <a:defRPr sz="5500" b="1"/>
             </a:lvl1pPr>
           </a:lstStyle>
           <a:p>
-            <a:pPr/>
             <a:r>
               <a:t>Agenda Subtitle</a:t>
             </a:r>
@@ -2971,7 +3001,9 @@
       <p:sp>
         <p:nvSpPr>
           <p:cNvPr id="90" name="Body Level One…"/>
-          <p:cNvSpPr txBox="1"/>
+          <p:cNvSpPr txBox="1">
+            <a:spLocks noGrp="1"/>
+          </p:cNvSpPr>
           <p:nvPr>
             <p:ph type="body" idx="1" hasCustomPrompt="1"/>
           </p:nvPr>
@@ -2993,7 +3025,7 @@
               </a:spcBef>
               <a:buSzTx/>
               <a:buNone/>
-              <a:defRPr spc="-55" sz="5500"/>
+              <a:defRPr sz="5500" spc="-55"/>
             </a:lvl1pPr>
             <a:lvl2pPr marL="0" indent="457200" defTabSz="825500">
               <a:lnSpc>
@@ -3004,7 +3036,7 @@
               </a:spcBef>
               <a:buSzTx/>
               <a:buNone/>
-              <a:defRPr spc="-55" sz="5500"/>
+              <a:defRPr sz="5500" spc="-55"/>
             </a:lvl2pPr>
             <a:lvl3pPr marL="0" indent="914400" defTabSz="825500">
               <a:lnSpc>
@@ -3015,7 +3047,7 @@
               </a:spcBef>
               <a:buSzTx/>
               <a:buNone/>
-              <a:defRPr spc="-55" sz="5500"/>
+              <a:defRPr sz="5500" spc="-55"/>
             </a:lvl3pPr>
             <a:lvl4pPr marL="0" indent="1371600" defTabSz="825500">
               <a:lnSpc>
@@ -3026,7 +3058,7 @@
               </a:spcBef>
               <a:buSzTx/>
               <a:buNone/>
-              <a:defRPr spc="-55" sz="5500"/>
+              <a:defRPr sz="5500" spc="-55"/>
             </a:lvl4pPr>
             <a:lvl5pPr marL="0" indent="1828800" defTabSz="825500">
               <a:lnSpc>
@@ -3037,45 +3069,38 @@
               </a:spcBef>
               <a:buSzTx/>
               <a:buNone/>
-              <a:defRPr spc="-55" sz="5500"/>
+              <a:defRPr sz="5500" spc="-55"/>
             </a:lvl5pPr>
           </a:lstStyle>
           <a:p>
-            <a:pPr/>
             <a:r>
               <a:t>Agenda Topics</a:t>
             </a:r>
           </a:p>
           <a:p>
             <a:pPr lvl="1"/>
-            <a:r>
-              <a:t/>
-            </a:r>
+            <a:endParaRPr/>
           </a:p>
           <a:p>
             <a:pPr lvl="2"/>
-            <a:r>
-              <a:t/>
-            </a:r>
+            <a:endParaRPr/>
           </a:p>
           <a:p>
             <a:pPr lvl="3"/>
-            <a:r>
-              <a:t/>
-            </a:r>
+            <a:endParaRPr/>
           </a:p>
           <a:p>
             <a:pPr lvl="4"/>
-            <a:r>
-              <a:t/>
-            </a:r>
+            <a:endParaRPr/>
           </a:p>
         </p:txBody>
       </p:sp>
       <p:sp>
         <p:nvSpPr>
           <p:cNvPr id="91" name="Slide Number"/>
-          <p:cNvSpPr txBox="1"/>
+          <p:cNvSpPr txBox="1">
+            <a:spLocks noGrp="1"/>
+          </p:cNvSpPr>
           <p:nvPr>
             <p:ph type="sldNum" sz="quarter" idx="2"/>
           </p:nvPr>
@@ -3089,8 +3114,10 @@
           <a:bodyPr/>
           <a:lstStyle/>
           <a:p>
-            <a:pPr/>
-            <a:fld id="{86CB4B4D-7CA3-9044-876B-883B54F8677D}" type="slidenum"/>
+            <a:fld id="{86CB4B4D-7CA3-9044-876B-883B54F8677D}" type="slidenum">
+              <a:t>‹#›</a:t>
+            </a:fld>
+            <a:endParaRPr/>
           </a:p>
         </p:txBody>
       </p:sp>
@@ -3099,18 +3126,19 @@
   <p:clrMapOvr>
     <a:masterClrMapping/>
   </p:clrMapOvr>
-  <p:transition xmlns:p14="http://schemas.microsoft.com/office/powerpoint/2010/main" spd="med" advClick="1"/>
+  <p:transition spd="med"/>
 </p:sldLayout>
 </file>
 
 <file path=ppt/slideMasters/slideMaster1.xml><?xml version="1.0" encoding="utf-8"?>
-<p:sldMaster xmlns:a="http://schemas.openxmlformats.org/drawingml/2006/main" xmlns:r="http://schemas.openxmlformats.org/officeDocument/2006/relationships" xmlns:p="http://schemas.openxmlformats.org/presentationml/2006/main" xmlns:m="http://schemas.openxmlformats.org/officeDocument/2006/math" xmlns:a14="http://schemas.microsoft.com/office/drawing/2010/main">
+<p:sldMaster xmlns:a="http://schemas.openxmlformats.org/drawingml/2006/main" xmlns:r="http://schemas.openxmlformats.org/officeDocument/2006/relationships" xmlns:p="http://schemas.openxmlformats.org/presentationml/2006/main">
   <p:cSld>
     <p:bg>
       <p:bgPr>
         <a:solidFill>
           <a:srgbClr val="FFFFFF"/>
         </a:solidFill>
+        <a:effectLst/>
       </p:bgPr>
     </p:bg>
     <p:spTree>
@@ -3130,7 +3158,9 @@
       <p:sp>
         <p:nvSpPr>
           <p:cNvPr id="2" name="Slide Title"/>
-          <p:cNvSpPr txBox="1"/>
+          <p:cNvSpPr txBox="1">
+            <a:spLocks noGrp="1"/>
+          </p:cNvSpPr>
           <p:nvPr>
             <p:ph type="title" hasCustomPrompt="1"/>
           </p:nvPr>
@@ -3148,17 +3178,16 @@
           </a:ln>
           <a:extLst>
             <a:ext uri="{C572A759-6A51-4108-AA02-DFA0A04FC94B}">
-              <ma14:wrappingTextBoxFlag xmlns:ma14="http://schemas.microsoft.com/office/mac/drawingml/2011/main" val="1"/>
+              <ma14:wrappingTextBoxFlag xmlns:ma14="http://schemas.microsoft.com/office/mac/drawingml/2011/main" xmlns:a14="http://schemas.microsoft.com/office/drawing/2010/main" xmlns:m="http://schemas.openxmlformats.org/officeDocument/2006/math" xmlns="" val="1"/>
             </a:ext>
           </a:extLst>
         </p:spPr>
         <p:txBody>
           <a:bodyPr lIns="50800" tIns="50800" rIns="50800" bIns="50800">
-            <a:normAutofit fontScale="100000" lnSpcReduction="0"/>
+            <a:normAutofit/>
           </a:bodyPr>
           <a:lstStyle/>
           <a:p>
-            <a:pPr/>
             <a:r>
               <a:t>Slide Title</a:t>
             </a:r>
@@ -3168,7 +3197,9 @@
       <p:sp>
         <p:nvSpPr>
           <p:cNvPr id="3" name="Body Level One…"/>
-          <p:cNvSpPr txBox="1"/>
+          <p:cNvSpPr txBox="1">
+            <a:spLocks noGrp="1"/>
+          </p:cNvSpPr>
           <p:nvPr>
             <p:ph type="body" idx="1" hasCustomPrompt="1"/>
           </p:nvPr>
@@ -3186,51 +3217,44 @@
           </a:ln>
           <a:extLst>
             <a:ext uri="{C572A759-6A51-4108-AA02-DFA0A04FC94B}">
-              <ma14:wrappingTextBoxFlag xmlns:ma14="http://schemas.microsoft.com/office/mac/drawingml/2011/main" val="1"/>
+              <ma14:wrappingTextBoxFlag xmlns:ma14="http://schemas.microsoft.com/office/mac/drawingml/2011/main" xmlns:a14="http://schemas.microsoft.com/office/drawing/2010/main" xmlns:m="http://schemas.openxmlformats.org/officeDocument/2006/math" xmlns="" val="1"/>
             </a:ext>
           </a:extLst>
         </p:spPr>
         <p:txBody>
           <a:bodyPr lIns="50800" tIns="50800" rIns="50800" bIns="50800">
-            <a:normAutofit fontScale="100000" lnSpcReduction="0"/>
+            <a:normAutofit/>
           </a:bodyPr>
           <a:lstStyle/>
           <a:p>
-            <a:pPr/>
             <a:r>
               <a:t>Slide bullet text</a:t>
             </a:r>
           </a:p>
           <a:p>
             <a:pPr lvl="1"/>
-            <a:r>
-              <a:t/>
-            </a:r>
+            <a:endParaRPr/>
           </a:p>
           <a:p>
             <a:pPr lvl="2"/>
-            <a:r>
-              <a:t/>
-            </a:r>
+            <a:endParaRPr/>
           </a:p>
           <a:p>
             <a:pPr lvl="3"/>
-            <a:r>
-              <a:t/>
-            </a:r>
+            <a:endParaRPr/>
           </a:p>
           <a:p>
             <a:pPr lvl="4"/>
-            <a:r>
-              <a:t/>
-            </a:r>
+            <a:endParaRPr/>
           </a:p>
         </p:txBody>
       </p:sp>
       <p:sp>
         <p:nvSpPr>
           <p:cNvPr id="4" name="Slide Number"/>
-          <p:cNvSpPr txBox="1"/>
+          <p:cNvSpPr txBox="1">
+            <a:spLocks noGrp="1"/>
+          </p:cNvSpPr>
           <p:nvPr>
             <p:ph type="sldNum" sz="quarter" idx="2"/>
           </p:nvPr>
@@ -3261,8 +3285,10 @@
             </a:lvl1pPr>
           </a:lstStyle>
           <a:p>
-            <a:pPr/>
-            <a:fld id="{86CB4B4D-7CA3-9044-876B-883B54F8677D}" type="slidenum"/>
+            <a:fld id="{86CB4B4D-7CA3-9044-876B-883B54F8677D}" type="slidenum">
+              <a:t>‹#›</a:t>
+            </a:fld>
+            <a:endParaRPr/>
           </a:p>
         </p:txBody>
       </p:sp>
@@ -3270,23 +3296,23 @@
   </p:cSld>
   <p:clrMap bg1="lt1" tx1="dk1" bg2="lt2" tx2="dk2" accent1="accent1" accent2="accent2" accent3="accent3" accent4="accent4" accent5="accent5" accent6="accent6" hlink="hlink" folHlink="folHlink"/>
   <p:sldLayoutIdLst>
-    <p:sldLayoutId id="2147483649" r:id="rId2"/>
-    <p:sldLayoutId id="2147483650" r:id="rId3"/>
-    <p:sldLayoutId id="2147483651" r:id="rId4"/>
-    <p:sldLayoutId id="2147483652" r:id="rId5"/>
-    <p:sldLayoutId id="2147483653" r:id="rId6"/>
-    <p:sldLayoutId id="2147483654" r:id="rId7"/>
-    <p:sldLayoutId id="2147483655" r:id="rId8"/>
-    <p:sldLayoutId id="2147483656" r:id="rId9"/>
-    <p:sldLayoutId id="2147483657" r:id="rId10"/>
-    <p:sldLayoutId id="2147483658" r:id="rId11"/>
-    <p:sldLayoutId id="2147483659" r:id="rId12"/>
-    <p:sldLayoutId id="2147483660" r:id="rId13"/>
-    <p:sldLayoutId id="2147483661" r:id="rId14"/>
-    <p:sldLayoutId id="2147483662" r:id="rId15"/>
-    <p:sldLayoutId id="2147483663" r:id="rId16"/>
+    <p:sldLayoutId id="2147483649" r:id="rId1"/>
+    <p:sldLayoutId id="2147483650" r:id="rId2"/>
+    <p:sldLayoutId id="2147483651" r:id="rId3"/>
+    <p:sldLayoutId id="2147483652" r:id="rId4"/>
+    <p:sldLayoutId id="2147483653" r:id="rId5"/>
+    <p:sldLayoutId id="2147483654" r:id="rId6"/>
+    <p:sldLayoutId id="2147483655" r:id="rId7"/>
+    <p:sldLayoutId id="2147483656" r:id="rId8"/>
+    <p:sldLayoutId id="2147483657" r:id="rId9"/>
+    <p:sldLayoutId id="2147483658" r:id="rId10"/>
+    <p:sldLayoutId id="2147483659" r:id="rId11"/>
+    <p:sldLayoutId id="2147483660" r:id="rId12"/>
+    <p:sldLayoutId id="2147483661" r:id="rId13"/>
+    <p:sldLayoutId id="2147483662" r:id="rId14"/>
+    <p:sldLayoutId id="2147483663" r:id="rId15"/>
   </p:sldLayoutIdLst>
-  <p:transition xmlns:p14="http://schemas.microsoft.com/office/powerpoint/2010/main" spd="med" advClick="1"/>
+  <p:transition spd="med"/>
   <p:txStyles>
     <p:titleStyle>
       <a:lvl1pPr marL="0" marR="0" indent="0" algn="l" defTabSz="2438338" rtl="0" latinLnBrk="0">
@@ -3304,7 +3330,7 @@
         <a:buFontTx/>
         <a:buNone/>
         <a:tabLst/>
-        <a:defRPr b="1" baseline="0" cap="none" i="0" spc="-170" strike="noStrike" sz="8500" u="none">
+        <a:defRPr sz="8500" b="1" i="0" u="none" strike="noStrike" cap="none" spc="-170" baseline="0">
           <a:solidFill>
             <a:schemeClr val="accent1">
               <a:hueOff val="114395"/>
@@ -3333,7 +3359,7 @@
         <a:buFontTx/>
         <a:buNone/>
         <a:tabLst/>
-        <a:defRPr b="1" baseline="0" cap="none" i="0" spc="-170" strike="noStrike" sz="8500" u="none">
+        <a:defRPr sz="8500" b="1" i="0" u="none" strike="noStrike" cap="none" spc="-170" baseline="0">
           <a:solidFill>
             <a:schemeClr val="accent1">
               <a:hueOff val="114395"/>
@@ -3362,7 +3388,7 @@
         <a:buFontTx/>
         <a:buNone/>
         <a:tabLst/>
-        <a:defRPr b="1" baseline="0" cap="none" i="0" spc="-170" strike="noStrike" sz="8500" u="none">
+        <a:defRPr sz="8500" b="1" i="0" u="none" strike="noStrike" cap="none" spc="-170" baseline="0">
           <a:solidFill>
             <a:schemeClr val="accent1">
               <a:hueOff val="114395"/>
@@ -3391,7 +3417,7 @@
         <a:buFontTx/>
         <a:buNone/>
         <a:tabLst/>
-        <a:defRPr b="1" baseline="0" cap="none" i="0" spc="-170" strike="noStrike" sz="8500" u="none">
+        <a:defRPr sz="8500" b="1" i="0" u="none" strike="noStrike" cap="none" spc="-170" baseline="0">
           <a:solidFill>
             <a:schemeClr val="accent1">
               <a:hueOff val="114395"/>
@@ -3420,7 +3446,7 @@
         <a:buFontTx/>
         <a:buNone/>
         <a:tabLst/>
-        <a:defRPr b="1" baseline="0" cap="none" i="0" spc="-170" strike="noStrike" sz="8500" u="none">
+        <a:defRPr sz="8500" b="1" i="0" u="none" strike="noStrike" cap="none" spc="-170" baseline="0">
           <a:solidFill>
             <a:schemeClr val="accent1">
               <a:hueOff val="114395"/>
@@ -3449,7 +3475,7 @@
         <a:buFontTx/>
         <a:buNone/>
         <a:tabLst/>
-        <a:defRPr b="1" baseline="0" cap="none" i="0" spc="-170" strike="noStrike" sz="8500" u="none">
+        <a:defRPr sz="8500" b="1" i="0" u="none" strike="noStrike" cap="none" spc="-170" baseline="0">
           <a:solidFill>
             <a:schemeClr val="accent1">
               <a:hueOff val="114395"/>
@@ -3478,7 +3504,7 @@
         <a:buFontTx/>
         <a:buNone/>
         <a:tabLst/>
-        <a:defRPr b="1" baseline="0" cap="none" i="0" spc="-170" strike="noStrike" sz="8500" u="none">
+        <a:defRPr sz="8500" b="1" i="0" u="none" strike="noStrike" cap="none" spc="-170" baseline="0">
           <a:solidFill>
             <a:schemeClr val="accent1">
               <a:hueOff val="114395"/>
@@ -3507,7 +3533,7 @@
         <a:buFontTx/>
         <a:buNone/>
         <a:tabLst/>
-        <a:defRPr b="1" baseline="0" cap="none" i="0" spc="-170" strike="noStrike" sz="8500" u="none">
+        <a:defRPr sz="8500" b="1" i="0" u="none" strike="noStrike" cap="none" spc="-170" baseline="0">
           <a:solidFill>
             <a:schemeClr val="accent1">
               <a:hueOff val="114395"/>
@@ -3536,7 +3562,7 @@
         <a:buFontTx/>
         <a:buNone/>
         <a:tabLst/>
-        <a:defRPr b="1" baseline="0" cap="none" i="0" spc="-170" strike="noStrike" sz="8500" u="none">
+        <a:defRPr sz="8500" b="1" i="0" u="none" strike="noStrike" cap="none" spc="-170" baseline="0">
           <a:solidFill>
             <a:schemeClr val="accent1">
               <a:hueOff val="114395"/>
@@ -3567,7 +3593,7 @@
         <a:buFontTx/>
         <a:buChar char="•"/>
         <a:tabLst/>
-        <a:defRPr b="0" baseline="0" cap="none" i="0" spc="0" strike="noStrike" sz="4800" u="none">
+        <a:defRPr sz="4800" b="0" i="0" u="none" strike="noStrike" cap="none" spc="0" baseline="0">
           <a:solidFill>
             <a:srgbClr val="000000"/>
           </a:solidFill>
@@ -3593,7 +3619,7 @@
         <a:buFontTx/>
         <a:buChar char="•"/>
         <a:tabLst/>
-        <a:defRPr b="0" baseline="0" cap="none" i="0" spc="0" strike="noStrike" sz="4800" u="none">
+        <a:defRPr sz="4800" b="0" i="0" u="none" strike="noStrike" cap="none" spc="0" baseline="0">
           <a:solidFill>
             <a:srgbClr val="000000"/>
           </a:solidFill>
@@ -3619,7 +3645,7 @@
         <a:buFontTx/>
         <a:buChar char="•"/>
         <a:tabLst/>
-        <a:defRPr b="0" baseline="0" cap="none" i="0" spc="0" strike="noStrike" sz="4800" u="none">
+        <a:defRPr sz="4800" b="0" i="0" u="none" strike="noStrike" cap="none" spc="0" baseline="0">
           <a:solidFill>
             <a:srgbClr val="000000"/>
           </a:solidFill>
@@ -3645,7 +3671,7 @@
         <a:buFontTx/>
         <a:buChar char="•"/>
         <a:tabLst/>
-        <a:defRPr b="0" baseline="0" cap="none" i="0" spc="0" strike="noStrike" sz="4800" u="none">
+        <a:defRPr sz="4800" b="0" i="0" u="none" strike="noStrike" cap="none" spc="0" baseline="0">
           <a:solidFill>
             <a:srgbClr val="000000"/>
           </a:solidFill>
@@ -3671,7 +3697,7 @@
         <a:buFontTx/>
         <a:buChar char="•"/>
         <a:tabLst/>
-        <a:defRPr b="0" baseline="0" cap="none" i="0" spc="0" strike="noStrike" sz="4800" u="none">
+        <a:defRPr sz="4800" b="0" i="0" u="none" strike="noStrike" cap="none" spc="0" baseline="0">
           <a:solidFill>
             <a:srgbClr val="000000"/>
           </a:solidFill>
@@ -3697,7 +3723,7 @@
         <a:buFontTx/>
         <a:buChar char="•"/>
         <a:tabLst/>
-        <a:defRPr b="0" baseline="0" cap="none" i="0" spc="0" strike="noStrike" sz="4800" u="none">
+        <a:defRPr sz="4800" b="0" i="0" u="none" strike="noStrike" cap="none" spc="0" baseline="0">
           <a:solidFill>
             <a:srgbClr val="000000"/>
           </a:solidFill>
@@ -3723,7 +3749,7 @@
         <a:buFontTx/>
         <a:buChar char="•"/>
         <a:tabLst/>
-        <a:defRPr b="0" baseline="0" cap="none" i="0" spc="0" strike="noStrike" sz="4800" u="none">
+        <a:defRPr sz="4800" b="0" i="0" u="none" strike="noStrike" cap="none" spc="0" baseline="0">
           <a:solidFill>
             <a:srgbClr val="000000"/>
           </a:solidFill>
@@ -3749,7 +3775,7 @@
         <a:buFontTx/>
         <a:buChar char="•"/>
         <a:tabLst/>
-        <a:defRPr b="0" baseline="0" cap="none" i="0" spc="0" strike="noStrike" sz="4800" u="none">
+        <a:defRPr sz="4800" b="0" i="0" u="none" strike="noStrike" cap="none" spc="0" baseline="0">
           <a:solidFill>
             <a:srgbClr val="000000"/>
           </a:solidFill>
@@ -3775,7 +3801,7 @@
         <a:buFontTx/>
         <a:buChar char="•"/>
         <a:tabLst/>
-        <a:defRPr b="0" baseline="0" cap="none" i="0" spc="0" strike="noStrike" sz="4800" u="none">
+        <a:defRPr sz="4800" b="0" i="0" u="none" strike="noStrike" cap="none" spc="0" baseline="0">
           <a:solidFill>
             <a:srgbClr val="000000"/>
           </a:solidFill>
@@ -3803,7 +3829,7 @@
         <a:buFontTx/>
         <a:buNone/>
         <a:tabLst/>
-        <a:defRPr b="0" baseline="0" cap="none" i="0" spc="0" strike="noStrike" sz="1800" u="none">
+        <a:defRPr sz="1800" b="0" i="0" u="none" strike="noStrike" cap="none" spc="0" baseline="0">
           <a:solidFill>
             <a:schemeClr val="tx1"/>
           </a:solidFill>
@@ -3829,7 +3855,7 @@
         <a:buFontTx/>
         <a:buNone/>
         <a:tabLst/>
-        <a:defRPr b="0" baseline="0" cap="none" i="0" spc="0" strike="noStrike" sz="1800" u="none">
+        <a:defRPr sz="1800" b="0" i="0" u="none" strike="noStrike" cap="none" spc="0" baseline="0">
           <a:solidFill>
             <a:schemeClr val="tx1"/>
           </a:solidFill>
@@ -3855,7 +3881,7 @@
         <a:buFontTx/>
         <a:buNone/>
         <a:tabLst/>
-        <a:defRPr b="0" baseline="0" cap="none" i="0" spc="0" strike="noStrike" sz="1800" u="none">
+        <a:defRPr sz="1800" b="0" i="0" u="none" strike="noStrike" cap="none" spc="0" baseline="0">
           <a:solidFill>
             <a:schemeClr val="tx1"/>
           </a:solidFill>
@@ -3881,7 +3907,7 @@
         <a:buFontTx/>
         <a:buNone/>
         <a:tabLst/>
-        <a:defRPr b="0" baseline="0" cap="none" i="0" spc="0" strike="noStrike" sz="1800" u="none">
+        <a:defRPr sz="1800" b="0" i="0" u="none" strike="noStrike" cap="none" spc="0" baseline="0">
           <a:solidFill>
             <a:schemeClr val="tx1"/>
           </a:solidFill>
@@ -3907,7 +3933,7 @@
         <a:buFontTx/>
         <a:buNone/>
         <a:tabLst/>
-        <a:defRPr b="0" baseline="0" cap="none" i="0" spc="0" strike="noStrike" sz="1800" u="none">
+        <a:defRPr sz="1800" b="0" i="0" u="none" strike="noStrike" cap="none" spc="0" baseline="0">
           <a:solidFill>
             <a:schemeClr val="tx1"/>
           </a:solidFill>
@@ -3933,7 +3959,7 @@
         <a:buFontTx/>
         <a:buNone/>
         <a:tabLst/>
-        <a:defRPr b="0" baseline="0" cap="none" i="0" spc="0" strike="noStrike" sz="1800" u="none">
+        <a:defRPr sz="1800" b="0" i="0" u="none" strike="noStrike" cap="none" spc="0" baseline="0">
           <a:solidFill>
             <a:schemeClr val="tx1"/>
           </a:solidFill>
@@ -3959,7 +3985,7 @@
         <a:buFontTx/>
         <a:buNone/>
         <a:tabLst/>
-        <a:defRPr b="0" baseline="0" cap="none" i="0" spc="0" strike="noStrike" sz="1800" u="none">
+        <a:defRPr sz="1800" b="0" i="0" u="none" strike="noStrike" cap="none" spc="0" baseline="0">
           <a:solidFill>
             <a:schemeClr val="tx1"/>
           </a:solidFill>
@@ -3985,7 +4011,7 @@
         <a:buFontTx/>
         <a:buNone/>
         <a:tabLst/>
-        <a:defRPr b="0" baseline="0" cap="none" i="0" spc="0" strike="noStrike" sz="1800" u="none">
+        <a:defRPr sz="1800" b="0" i="0" u="none" strike="noStrike" cap="none" spc="0" baseline="0">
           <a:solidFill>
             <a:schemeClr val="tx1"/>
           </a:solidFill>
@@ -4011,7 +4037,7 @@
         <a:buFontTx/>
         <a:buNone/>
         <a:tabLst/>
-        <a:defRPr b="0" baseline="0" cap="none" i="0" spc="0" strike="noStrike" sz="1800" u="none">
+        <a:defRPr sz="1800" b="0" i="0" u="none" strike="noStrike" cap="none" spc="0" baseline="0">
           <a:solidFill>
             <a:schemeClr val="tx1"/>
           </a:solidFill>
@@ -4028,7 +4054,7 @@
 </file>
 
 <file path=ppt/slides/slide1.xml><?xml version="1.0" encoding="utf-8"?>
-<p:sld xmlns:a="http://schemas.openxmlformats.org/drawingml/2006/main" xmlns:r="http://schemas.openxmlformats.org/officeDocument/2006/relationships" xmlns:p="http://schemas.openxmlformats.org/presentationml/2006/main" xmlns:m="http://schemas.openxmlformats.org/officeDocument/2006/math" xmlns:a14="http://schemas.microsoft.com/office/drawing/2010/main" showMasterSp="1" showMasterPhAnim="1">
+<p:sld xmlns:a="http://schemas.openxmlformats.org/drawingml/2006/main" xmlns:r="http://schemas.openxmlformats.org/officeDocument/2006/relationships" xmlns:p="http://schemas.openxmlformats.org/presentationml/2006/main">
   <p:cSld>
     <p:spTree>
       <p:nvGrpSpPr>
@@ -4047,7 +4073,9 @@
       <p:sp>
         <p:nvSpPr>
           <p:cNvPr id="151" name="Comp 472, Fall 2022"/>
-          <p:cNvSpPr txBox="1"/>
+          <p:cNvSpPr txBox="1">
+            <a:spLocks noGrp="1"/>
+          </p:cNvSpPr>
           <p:nvPr>
             <p:ph type="body" idx="21"/>
           </p:nvPr>
@@ -4058,15 +4086,16 @@
           </a:prstGeom>
           <a:extLst>
             <a:ext uri="{C572A759-6A51-4108-AA02-DFA0A04FC94B}">
-              <ma14:wrappingTextBoxFlag xmlns:ma14="http://schemas.microsoft.com/office/mac/drawingml/2011/main" val="1"/>
+              <ma14:wrappingTextBoxFlag xmlns:ma14="http://schemas.microsoft.com/office/mac/drawingml/2011/main" xmlns:a14="http://schemas.microsoft.com/office/drawing/2010/main" xmlns:m="http://schemas.openxmlformats.org/officeDocument/2006/math" xmlns="" val="1"/>
             </a:ext>
           </a:extLst>
         </p:spPr>
         <p:txBody>
-          <a:bodyPr/>
+          <a:bodyPr>
+            <a:normAutofit lnSpcReduction="10000"/>
+          </a:bodyPr>
           <a:lstStyle/>
           <a:p>
-            <a:pPr/>
             <a:r>
               <a:t>Comp 472, Fall 2022</a:t>
             </a:r>
@@ -4076,7 +4105,9 @@
       <p:sp>
         <p:nvSpPr>
           <p:cNvPr id="152" name="An Analysis of Informed Search Algorithms for Rush Hour Puzzle"/>
-          <p:cNvSpPr txBox="1"/>
+          <p:cNvSpPr txBox="1">
+            <a:spLocks noGrp="1"/>
+          </p:cNvSpPr>
           <p:nvPr>
             <p:ph type="ctrTitle"/>
           </p:nvPr>
@@ -4090,11 +4121,10 @@
           <a:bodyPr/>
           <a:lstStyle>
             <a:lvl1pPr defTabSz="2413955">
-              <a:defRPr spc="-229" sz="11484"/>
+              <a:defRPr sz="11484" spc="-229"/>
             </a:lvl1pPr>
           </a:lstStyle>
           <a:p>
-            <a:pPr/>
             <a:r>
               <a:t>An Analysis of Informed Search Algorithms for Rush Hour Puzzle</a:t>
             </a:r>
@@ -4104,7 +4134,9 @@
       <p:sp>
         <p:nvSpPr>
           <p:cNvPr id="153" name="By Nazli Ensafi, Haelang Park, Lauren Wu"/>
-          <p:cNvSpPr txBox="1"/>
+          <p:cNvSpPr txBox="1">
+            <a:spLocks noGrp="1"/>
+          </p:cNvSpPr>
           <p:nvPr>
             <p:ph type="subTitle" sz="quarter" idx="1"/>
           </p:nvPr>
@@ -4118,7 +4150,6 @@
           <a:bodyPr/>
           <a:lstStyle/>
           <a:p>
-            <a:pPr/>
             <a:r>
               <a:t>By Nazli Ensafi, Haelang Park, Lauren Wu</a:t>
             </a:r>
@@ -4130,12 +4161,12 @@
   <p:clrMapOvr>
     <a:masterClrMapping/>
   </p:clrMapOvr>
-  <p:transition xmlns:p14="http://schemas.microsoft.com/office/powerpoint/2010/main" spd="med" advClick="1"/>
+  <p:transition spd="med"/>
 </p:sld>
 </file>
 
 <file path=ppt/slides/slide2.xml><?xml version="1.0" encoding="utf-8"?>
-<p:sld xmlns:a="http://schemas.openxmlformats.org/drawingml/2006/main" xmlns:r="http://schemas.openxmlformats.org/officeDocument/2006/relationships" xmlns:p="http://schemas.openxmlformats.org/presentationml/2006/main" xmlns:m="http://schemas.openxmlformats.org/officeDocument/2006/math" xmlns:a14="http://schemas.microsoft.com/office/drawing/2010/main" showMasterSp="1" showMasterPhAnim="1">
+<p:sld xmlns:a="http://schemas.openxmlformats.org/drawingml/2006/main" xmlns:r="http://schemas.openxmlformats.org/officeDocument/2006/relationships" xmlns:p="http://schemas.openxmlformats.org/presentationml/2006/main">
   <p:cSld>
     <p:spTree>
       <p:nvGrpSpPr>
@@ -4160,9 +4191,7 @@
           <p:nvPr/>
         </p:nvPicPr>
         <p:blipFill>
-          <a:blip r:embed="rId2">
-            <a:extLst/>
-          </a:blip>
+          <a:blip r:embed="rId2"/>
           <a:stretch>
             <a:fillRect/>
           </a:stretch>
@@ -4199,7 +4228,7 @@
           </a:ln>
           <a:extLst>
             <a:ext uri="{C572A759-6A51-4108-AA02-DFA0A04FC94B}">
-              <ma14:wrappingTextBoxFlag xmlns:ma14="http://schemas.microsoft.com/office/mac/drawingml/2011/main" val="1"/>
+              <ma14:wrappingTextBoxFlag xmlns:ma14="http://schemas.microsoft.com/office/mac/drawingml/2011/main" xmlns:a14="http://schemas.microsoft.com/office/drawing/2010/main" xmlns:m="http://schemas.openxmlformats.org/officeDocument/2006/math" xmlns="" val="1"/>
             </a:ext>
           </a:extLst>
         </p:spPr>
@@ -4221,7 +4250,6 @@
             </a:lvl1pPr>
           </a:lstStyle>
           <a:p>
-            <a:pPr/>
             <a:r>
               <a:t>1. The length of the solutions across algorithms and heuristics </a:t>
             </a:r>
@@ -4233,12 +4261,12 @@
   <p:clrMapOvr>
     <a:masterClrMapping/>
   </p:clrMapOvr>
-  <p:transition xmlns:p14="http://schemas.microsoft.com/office/powerpoint/2010/main" spd="med" advClick="1"/>
+  <p:transition spd="med"/>
 </p:sld>
 </file>
 
 <file path=ppt/slides/slide3.xml><?xml version="1.0" encoding="utf-8"?>
-<p:sld xmlns:a="http://schemas.openxmlformats.org/drawingml/2006/main" xmlns:r="http://schemas.openxmlformats.org/officeDocument/2006/relationships" xmlns:p="http://schemas.openxmlformats.org/presentationml/2006/main" xmlns:m="http://schemas.openxmlformats.org/officeDocument/2006/math" xmlns:a14="http://schemas.microsoft.com/office/drawing/2010/main" showMasterSp="1" showMasterPhAnim="1">
+<p:sld xmlns:a="http://schemas.openxmlformats.org/drawingml/2006/main" xmlns:r="http://schemas.openxmlformats.org/officeDocument/2006/relationships" xmlns:p="http://schemas.openxmlformats.org/presentationml/2006/main">
   <p:cSld>
     <p:spTree>
       <p:nvGrpSpPr>
@@ -4273,7 +4301,7 @@
           </a:ln>
           <a:extLst>
             <a:ext uri="{C572A759-6A51-4108-AA02-DFA0A04FC94B}">
-              <ma14:wrappingTextBoxFlag xmlns:ma14="http://schemas.microsoft.com/office/mac/drawingml/2011/main" val="1"/>
+              <ma14:wrappingTextBoxFlag xmlns:ma14="http://schemas.microsoft.com/office/mac/drawingml/2011/main" xmlns:a14="http://schemas.microsoft.com/office/drawing/2010/main" xmlns:m="http://schemas.openxmlformats.org/officeDocument/2006/math" xmlns="" val="1"/>
             </a:ext>
           </a:extLst>
         </p:spPr>
@@ -4292,6 +4320,7 @@
               <a:defRPr sz="4800"/>
             </a:pPr>
             <a:r>
+              <a:rPr dirty="0"/>
               <a:t>Worst solution length across all searches: GBFS(H1, H2, H3) = 105</a:t>
             </a:r>
           </a:p>
@@ -4305,6 +4334,7 @@
               <a:defRPr sz="4800"/>
             </a:pPr>
             <a:r>
+              <a:rPr dirty="0"/>
               <a:t>Worst solution length across informed searches: GBFS(H1, H2, H3) = 105</a:t>
             </a:r>
           </a:p>
@@ -4318,6 +4348,7 @@
               <a:defRPr sz="4800"/>
             </a:pPr>
             <a:r>
+              <a:rPr dirty="0"/>
               <a:t>Worst solution length across different heuristics of GBFS: (H1, H2, H3) = 105</a:t>
             </a:r>
           </a:p>
@@ -4331,6 +4362,7 @@
               <a:defRPr sz="4800"/>
             </a:pPr>
             <a:r>
+              <a:rPr dirty="0"/>
               <a:t>Worst solution length across different heuristics of A*: H4 = 20</a:t>
             </a:r>
           </a:p>
@@ -4344,6 +4376,7 @@
               <a:defRPr sz="4800"/>
             </a:pPr>
             <a:r>
+              <a:rPr dirty="0"/>
               <a:t>Worst solution length across different searches using H1: GBFS(H1) = 105</a:t>
             </a:r>
           </a:p>
@@ -4357,6 +4390,7 @@
               <a:defRPr sz="4800"/>
             </a:pPr>
             <a:r>
+              <a:rPr dirty="0"/>
               <a:t>Worst solution length across different searches using H2: GBFS(H2) = 105</a:t>
             </a:r>
           </a:p>
@@ -4370,6 +4404,7 @@
               <a:defRPr sz="4800"/>
             </a:pPr>
             <a:r>
+              <a:rPr dirty="0"/>
               <a:t>Worst solution length across different searches using H3: GBFS(H3) = 105</a:t>
             </a:r>
           </a:p>
@@ -4383,6 +4418,7 @@
               <a:defRPr sz="4800"/>
             </a:pPr>
             <a:r>
+              <a:rPr dirty="0"/>
               <a:t>Worst solution length across different searches using H4: GBFS(H4) = 49</a:t>
             </a:r>
           </a:p>
@@ -4407,7 +4443,7 @@
           </a:ln>
           <a:extLst>
             <a:ext uri="{C572A759-6A51-4108-AA02-DFA0A04FC94B}">
-              <ma14:wrappingTextBoxFlag xmlns:ma14="http://schemas.microsoft.com/office/mac/drawingml/2011/main" val="1"/>
+              <ma14:wrappingTextBoxFlag xmlns:ma14="http://schemas.microsoft.com/office/mac/drawingml/2011/main" xmlns:a14="http://schemas.microsoft.com/office/drawing/2010/main" xmlns:m="http://schemas.openxmlformats.org/officeDocument/2006/math" xmlns="" val="1"/>
             </a:ext>
           </a:extLst>
         </p:spPr>
@@ -4429,7 +4465,6 @@
             </a:lvl1pPr>
           </a:lstStyle>
           <a:p>
-            <a:pPr/>
             <a:r>
               <a:t>The length of the solutions across algorithms and heuristics </a:t>
             </a:r>
@@ -4441,12 +4476,12 @@
   <p:clrMapOvr>
     <a:masterClrMapping/>
   </p:clrMapOvr>
-  <p:transition xmlns:p14="http://schemas.microsoft.com/office/powerpoint/2010/main" spd="med" advClick="1"/>
+  <p:transition spd="med"/>
 </p:sld>
 </file>
 
 <file path=ppt/slides/slide4.xml><?xml version="1.0" encoding="utf-8"?>
-<p:sld xmlns:a="http://schemas.openxmlformats.org/drawingml/2006/main" xmlns:r="http://schemas.openxmlformats.org/officeDocument/2006/relationships" xmlns:p="http://schemas.openxmlformats.org/presentationml/2006/main" xmlns:m="http://schemas.openxmlformats.org/officeDocument/2006/math" xmlns:a14="http://schemas.microsoft.com/office/drawing/2010/main" showMasterSp="1" showMasterPhAnim="1">
+<p:sld xmlns:a="http://schemas.openxmlformats.org/drawingml/2006/main" xmlns:r="http://schemas.openxmlformats.org/officeDocument/2006/relationships" xmlns:p="http://schemas.openxmlformats.org/presentationml/2006/main">
   <p:cSld>
     <p:spTree>
       <p:nvGrpSpPr>
@@ -4481,7 +4516,7 @@
           </a:ln>
           <a:extLst>
             <a:ext uri="{C572A759-6A51-4108-AA02-DFA0A04FC94B}">
-              <ma14:wrappingTextBoxFlag xmlns:ma14="http://schemas.microsoft.com/office/mac/drawingml/2011/main" val="1"/>
+              <ma14:wrappingTextBoxFlag xmlns:ma14="http://schemas.microsoft.com/office/mac/drawingml/2011/main" xmlns:a14="http://schemas.microsoft.com/office/drawing/2010/main" xmlns:m="http://schemas.openxmlformats.org/officeDocument/2006/math" xmlns="" val="1"/>
             </a:ext>
           </a:extLst>
         </p:spPr>
@@ -4503,7 +4538,6 @@
             </a:lvl1pPr>
           </a:lstStyle>
           <a:p>
-            <a:pPr/>
             <a:r>
               <a:t> 2. The lowest-cost solutions across all searches are:</a:t>
             </a:r>
@@ -4512,44 +4546,127 @@
       </p:sp>
       <p:pic>
         <p:nvPicPr>
-          <p:cNvPr id="162" name="Screen Shot 2022-12-04 at 2.38.59 PM.png" descr="Screen Shot 2022-12-04 at 2.38.59 PM.png"/>
+          <p:cNvPr id="4" name="Picture 3">
+            <a:extLst>
+              <a:ext uri="{FF2B5EF4-FFF2-40B4-BE49-F238E27FC236}">
+                <a16:creationId xmlns:a16="http://schemas.microsoft.com/office/drawing/2014/main" id="{64A8B856-62D9-7164-5721-DBF3C494C0D6}"/>
+              </a:ext>
+            </a:extLst>
+          </p:cNvPr>
           <p:cNvPicPr>
             <a:picLocks noChangeAspect="1"/>
           </p:cNvPicPr>
           <p:nvPr/>
         </p:nvPicPr>
         <p:blipFill>
-          <a:blip r:embed="rId2">
-            <a:extLst/>
-          </a:blip>
+          <a:blip r:embed="rId2"/>
           <a:stretch>
             <a:fillRect/>
           </a:stretch>
         </p:blipFill>
         <p:spPr>
           <a:xfrm>
-            <a:off x="3453613" y="2634598"/>
-            <a:ext cx="16966414" cy="9474045"/>
+            <a:off x="3896844" y="4175760"/>
+            <a:ext cx="16590312" cy="7079112"/>
           </a:xfrm>
           <a:prstGeom prst="rect">
             <a:avLst/>
           </a:prstGeom>
-          <a:ln w="12700">
+        </p:spPr>
+      </p:pic>
+      <p:sp>
+        <p:nvSpPr>
+          <p:cNvPr id="5" name="TextBox 4">
+            <a:extLst>
+              <a:ext uri="{FF2B5EF4-FFF2-40B4-BE49-F238E27FC236}">
+                <a16:creationId xmlns:a16="http://schemas.microsoft.com/office/drawing/2014/main" id="{CC67A497-A434-4113-20A7-8F3D8EB810C4}"/>
+              </a:ext>
+            </a:extLst>
+          </p:cNvPr>
+          <p:cNvSpPr txBox="1"/>
+          <p:nvPr/>
+        </p:nvSpPr>
+        <p:spPr>
+          <a:xfrm>
+            <a:off x="6096000" y="3039449"/>
+            <a:ext cx="11734800" cy="718145"/>
+          </a:xfrm>
+          <a:prstGeom prst="rect">
+            <a:avLst/>
+          </a:prstGeom>
+          <a:noFill/>
+          <a:ln w="12700" cap="flat">
+            <a:noFill/>
             <a:miter lim="400000"/>
           </a:ln>
+          <a:effectLst/>
+          <a:sp3d/>
         </p:spPr>
-      </p:pic>
+        <p:style>
+          <a:lnRef idx="0">
+            <a:scrgbClr r="0" g="0" b="0"/>
+          </a:lnRef>
+          <a:fillRef idx="0">
+            <a:scrgbClr r="0" g="0" b="0"/>
+          </a:fillRef>
+          <a:effectRef idx="0">
+            <a:scrgbClr r="0" g="0" b="0"/>
+          </a:effectRef>
+          <a:fontRef idx="none"/>
+        </p:style>
+        <p:txBody>
+          <a:bodyPr rot="0" spcFirstLastPara="1" vertOverflow="overflow" horzOverflow="overflow" vert="horz" wrap="square" lIns="50800" tIns="50800" rIns="50800" bIns="50800" numCol="1" spcCol="38100" rtlCol="0" anchor="ctr">
+            <a:spAutoFit/>
+          </a:bodyPr>
+          <a:lstStyle/>
+          <a:p>
+            <a:pPr marL="0" marR="0" indent="0" algn="ctr" defTabSz="2438338" rtl="0" fontAlgn="auto" latinLnBrk="0" hangingPunct="0">
+              <a:lnSpc>
+                <a:spcPct val="100000"/>
+              </a:lnSpc>
+              <a:spcBef>
+                <a:spcPts val="0"/>
+              </a:spcBef>
+              <a:spcAft>
+                <a:spcPts val="0"/>
+              </a:spcAft>
+              <a:buClrTx/>
+              <a:buSzTx/>
+              <a:buFontTx/>
+              <a:buNone/>
+              <a:tabLst/>
+            </a:pPr>
+            <a:r>
+              <a:rPr kumimoji="0" lang="en-US" sz="4000" b="0" i="0" u="none" strike="noStrike" cap="none" spc="0" normalizeH="0" baseline="0" dirty="0">
+                <a:ln>
+                  <a:noFill/>
+                </a:ln>
+                <a:solidFill>
+                  <a:srgbClr val="5E5E5E"/>
+                </a:solidFill>
+                <a:effectLst/>
+                <a:uFillTx/>
+                <a:latin typeface="+mn-lt"/>
+                <a:ea typeface="+mn-ea"/>
+                <a:cs typeface="+mn-cs"/>
+                <a:sym typeface="Helvetica Neue"/>
+              </a:rPr>
+              <a:t>Puzzle # 23</a:t>
+            </a:r>
+          </a:p>
+        </p:txBody>
+      </p:sp>
     </p:spTree>
   </p:cSld>
   <p:clrMapOvr>
     <a:masterClrMapping/>
   </p:clrMapOvr>
-  <p:transition xmlns:p14="http://schemas.microsoft.com/office/powerpoint/2010/main" spd="med" advClick="1"/>
+  <p:transition spd="med"/>
 </p:sld>
 </file>
 
 <file path=ppt/slides/slide5.xml><?xml version="1.0" encoding="utf-8"?>
-<p:sld xmlns:a="http://schemas.openxmlformats.org/drawingml/2006/main" xmlns:r="http://schemas.openxmlformats.org/officeDocument/2006/relationships" xmlns:p="http://schemas.openxmlformats.org/presentationml/2006/main" xmlns:m="http://schemas.openxmlformats.org/officeDocument/2006/math" xmlns:a14="http://schemas.microsoft.com/office/drawing/2010/main" showMasterSp="1" showMasterPhAnim="1">
+<p:sld xmlns:a="http://schemas.openxmlformats.org/drawingml/2006/main" xmlns:r="http://schemas.openxmlformats.org/officeDocument/2006/relationships" xmlns:p="http://schemas.openxmlformats.org/presentationml/2006/main">
   <p:cSld>
     <p:spTree>
       <p:nvGrpSpPr>
@@ -4584,7 +4701,7 @@
           </a:ln>
           <a:extLst>
             <a:ext uri="{C572A759-6A51-4108-AA02-DFA0A04FC94B}">
-              <ma14:wrappingTextBoxFlag xmlns:ma14="http://schemas.microsoft.com/office/mac/drawingml/2011/main" val="1"/>
+              <ma14:wrappingTextBoxFlag xmlns:ma14="http://schemas.microsoft.com/office/mac/drawingml/2011/main" xmlns:a14="http://schemas.microsoft.com/office/drawing/2010/main" xmlns:m="http://schemas.openxmlformats.org/officeDocument/2006/math" xmlns="" val="1"/>
             </a:ext>
           </a:extLst>
         </p:spPr>
@@ -4606,7 +4723,6 @@
             </a:lvl1pPr>
           </a:lstStyle>
           <a:p>
-            <a:pPr/>
             <a:r>
               <a:t>3. The admissibility of each heuristic and its influence on the optimally of the solution.</a:t>
             </a:r>
@@ -4632,7 +4748,7 @@
           </a:ln>
           <a:extLst>
             <a:ext uri="{C572A759-6A51-4108-AA02-DFA0A04FC94B}">
-              <ma14:wrappingTextBoxFlag xmlns:ma14="http://schemas.microsoft.com/office/mac/drawingml/2011/main" val="1"/>
+              <ma14:wrappingTextBoxFlag xmlns:ma14="http://schemas.microsoft.com/office/mac/drawingml/2011/main" xmlns:a14="http://schemas.microsoft.com/office/drawing/2010/main" xmlns:m="http://schemas.openxmlformats.org/officeDocument/2006/math" xmlns="" val="1"/>
             </a:ext>
           </a:extLst>
         </p:spPr>
@@ -4871,12 +4987,12 @@
   <p:clrMapOvr>
     <a:masterClrMapping/>
   </p:clrMapOvr>
-  <p:transition xmlns:p14="http://schemas.microsoft.com/office/powerpoint/2010/main" spd="med" advClick="1"/>
+  <p:transition spd="med"/>
 </p:sld>
 </file>
 
 <file path=ppt/slides/slide6.xml><?xml version="1.0" encoding="utf-8"?>
-<p:sld xmlns:a="http://schemas.openxmlformats.org/drawingml/2006/main" xmlns:r="http://schemas.openxmlformats.org/officeDocument/2006/relationships" xmlns:p="http://schemas.openxmlformats.org/presentationml/2006/main" xmlns:m="http://schemas.openxmlformats.org/officeDocument/2006/math" xmlns:a14="http://schemas.microsoft.com/office/drawing/2010/main" showMasterSp="1" showMasterPhAnim="1">
+<p:sld xmlns:a="http://schemas.openxmlformats.org/drawingml/2006/main" xmlns:r="http://schemas.openxmlformats.org/officeDocument/2006/relationships" xmlns:p="http://schemas.openxmlformats.org/presentationml/2006/main">
   <p:cSld>
     <p:spTree>
       <p:nvGrpSpPr>
@@ -4911,7 +5027,7 @@
           </a:ln>
           <a:extLst>
             <a:ext uri="{C572A759-6A51-4108-AA02-DFA0A04FC94B}">
-              <ma14:wrappingTextBoxFlag xmlns:ma14="http://schemas.microsoft.com/office/mac/drawingml/2011/main" val="1"/>
+              <ma14:wrappingTextBoxFlag xmlns:ma14="http://schemas.microsoft.com/office/mac/drawingml/2011/main" xmlns:a14="http://schemas.microsoft.com/office/drawing/2010/main" xmlns:m="http://schemas.openxmlformats.org/officeDocument/2006/math" xmlns="" val="1"/>
             </a:ext>
           </a:extLst>
         </p:spPr>
@@ -4933,7 +5049,6 @@
             </a:lvl1pPr>
           </a:lstStyle>
           <a:p>
-            <a:pPr/>
             <a:r>
               <a:t>Is an informed search always faster?</a:t>
             </a:r>
@@ -4959,7 +5074,7 @@
           </a:ln>
           <a:extLst>
             <a:ext uri="{C572A759-6A51-4108-AA02-DFA0A04FC94B}">
-              <ma14:wrappingTextBoxFlag xmlns:ma14="http://schemas.microsoft.com/office/mac/drawingml/2011/main" val="1"/>
+              <ma14:wrappingTextBoxFlag xmlns:ma14="http://schemas.microsoft.com/office/mac/drawingml/2011/main" xmlns:a14="http://schemas.microsoft.com/office/drawing/2010/main" xmlns:m="http://schemas.openxmlformats.org/officeDocument/2006/math" xmlns="" val="1"/>
             </a:ext>
           </a:extLst>
         </p:spPr>
@@ -4976,7 +5091,6 @@
             </a:lvl1pPr>
           </a:lstStyle>
           <a:p>
-            <a:pPr/>
             <a:r>
               <a:t>Informed searches are not always faster. If we take our most challenging puzzle, puzzle #2, UCS finds a solution in 210.381 s whereas A*(H3) finds one in 210.670 s. Choice of the heuristic plays an important role in how fast a solution is found. </a:t>
             </a:r>
@@ -4988,12 +5102,12 @@
   <p:clrMapOvr>
     <a:masterClrMapping/>
   </p:clrMapOvr>
-  <p:transition xmlns:p14="http://schemas.microsoft.com/office/powerpoint/2010/main" spd="med" advClick="1"/>
+  <p:transition spd="med"/>
 </p:sld>
 </file>
 
 <file path=ppt/slides/slide7.xml><?xml version="1.0" encoding="utf-8"?>
-<p:sld xmlns:a="http://schemas.openxmlformats.org/drawingml/2006/main" xmlns:r="http://schemas.openxmlformats.org/officeDocument/2006/relationships" xmlns:p="http://schemas.openxmlformats.org/presentationml/2006/main" xmlns:m="http://schemas.openxmlformats.org/officeDocument/2006/math" xmlns:a14="http://schemas.microsoft.com/office/drawing/2010/main" showMasterSp="1" showMasterPhAnim="1">
+<p:sld xmlns:a="http://schemas.openxmlformats.org/drawingml/2006/main" xmlns:r="http://schemas.openxmlformats.org/officeDocument/2006/relationships" xmlns:p="http://schemas.openxmlformats.org/presentationml/2006/main">
   <p:cSld>
     <p:spTree>
       <p:nvGrpSpPr>
@@ -5018,9 +5132,7 @@
           <p:nvPr/>
         </p:nvPicPr>
         <p:blipFill>
-          <a:blip r:embed="rId2">
-            <a:extLst/>
-          </a:blip>
+          <a:blip r:embed="rId2"/>
           <a:stretch>
             <a:fillRect/>
           </a:stretch>
@@ -5043,12 +5155,12 @@
   <p:clrMapOvr>
     <a:masterClrMapping/>
   </p:clrMapOvr>
-  <p:transition xmlns:p14="http://schemas.microsoft.com/office/powerpoint/2010/main" spd="med" advClick="1"/>
+  <p:transition spd="med"/>
 </p:sld>
 </file>
 
 <file path=ppt/slides/slide8.xml><?xml version="1.0" encoding="utf-8"?>
-<p:sld xmlns:a="http://schemas.openxmlformats.org/drawingml/2006/main" xmlns:r="http://schemas.openxmlformats.org/officeDocument/2006/relationships" xmlns:p="http://schemas.openxmlformats.org/presentationml/2006/main" xmlns:m="http://schemas.openxmlformats.org/officeDocument/2006/math" xmlns:a14="http://schemas.microsoft.com/office/drawing/2010/main" showMasterSp="1" showMasterPhAnim="1">
+<p:sld xmlns:a="http://schemas.openxmlformats.org/drawingml/2006/main" xmlns:r="http://schemas.openxmlformats.org/officeDocument/2006/relationships" xmlns:p="http://schemas.openxmlformats.org/presentationml/2006/main">
   <p:cSld>
     <p:spTree>
       <p:nvGrpSpPr>
@@ -5083,7 +5195,7 @@
           </a:ln>
           <a:extLst>
             <a:ext uri="{C572A759-6A51-4108-AA02-DFA0A04FC94B}">
-              <ma14:wrappingTextBoxFlag xmlns:ma14="http://schemas.microsoft.com/office/mac/drawingml/2011/main" val="1"/>
+              <ma14:wrappingTextBoxFlag xmlns:ma14="http://schemas.microsoft.com/office/mac/drawingml/2011/main" xmlns:a14="http://schemas.microsoft.com/office/drawing/2010/main" xmlns:m="http://schemas.openxmlformats.org/officeDocument/2006/math" xmlns="" val="1"/>
             </a:ext>
           </a:extLst>
         </p:spPr>
@@ -5097,7 +5209,6 @@
             </a:lvl1pPr>
           </a:lstStyle>
           <a:p>
-            <a:pPr/>
             <a:r>
               <a:t>Thank you </a:t>
             </a:r>
@@ -5109,12 +5220,12 @@
   <p:clrMapOvr>
     <a:masterClrMapping/>
   </p:clrMapOvr>
-  <p:transition xmlns:p14="http://schemas.microsoft.com/office/powerpoint/2010/main" spd="med" advClick="1"/>
+  <p:transition spd="med"/>
 </p:sld>
 </file>
 
 <file path=ppt/theme/theme1.xml><?xml version="1.0" encoding="utf-8"?>
-<a:theme xmlns:a="http://schemas.openxmlformats.org/drawingml/2006/main" xmlns:r="http://schemas.openxmlformats.org/officeDocument/2006/relationships" name="30_BasicColor">
+<a:theme xmlns:a="http://schemas.openxmlformats.org/drawingml/2006/main" name="30_BasicColor">
   <a:themeElements>
     <a:clrScheme name="30_BasicColor">
       <a:dk1>
@@ -5313,7 +5424,7 @@
         <a:effectLst/>
         <a:sp3d/>
       </a:spPr>
-      <a:bodyPr rot="0" spcFirstLastPara="1" vertOverflow="overflow" horzOverflow="overflow" vert="horz" wrap="square" lIns="50800" tIns="50800" rIns="50800" bIns="50800" numCol="1" spcCol="38100" rtlCol="0" anchor="ctr" upright="0">
+      <a:bodyPr rot="0" spcFirstLastPara="1" vertOverflow="overflow" horzOverflow="overflow" vert="horz" wrap="square" lIns="50800" tIns="50800" rIns="50800" bIns="50800" numCol="1" spcCol="38100" rtlCol="0" anchor="ctr">
         <a:spAutoFit/>
       </a:bodyPr>
       <a:lstStyle>
@@ -5332,7 +5443,7 @@
           <a:buFontTx/>
           <a:buNone/>
           <a:tabLst/>
-          <a:defRPr b="0" baseline="0" cap="none" i="0" spc="0" strike="noStrike" sz="3200" u="none" kumimoji="0" normalizeH="0">
+          <a:defRPr kumimoji="0" sz="3200" b="0" i="0" u="none" strike="noStrike" cap="none" spc="0" normalizeH="0" baseline="0">
             <a:ln>
               <a:noFill/>
             </a:ln>
@@ -5362,7 +5473,7 @@
           <a:buFontTx/>
           <a:buNone/>
           <a:tabLst/>
-          <a:defRPr b="0" baseline="0" cap="none" i="0" spc="0" strike="noStrike" sz="1800" u="none" kumimoji="0" normalizeH="0">
+          <a:defRPr kumimoji="0" sz="1800" b="0" i="0" u="none" strike="noStrike" cap="none" spc="0" normalizeH="0" baseline="0">
             <a:ln>
               <a:noFill/>
             </a:ln>
@@ -5388,7 +5499,7 @@
           <a:buFontTx/>
           <a:buNone/>
           <a:tabLst/>
-          <a:defRPr b="0" baseline="0" cap="none" i="0" spc="0" strike="noStrike" sz="1800" u="none" kumimoji="0" normalizeH="0">
+          <a:defRPr kumimoji="0" sz="1800" b="0" i="0" u="none" strike="noStrike" cap="none" spc="0" normalizeH="0" baseline="0">
             <a:ln>
               <a:noFill/>
             </a:ln>
@@ -5414,7 +5525,7 @@
           <a:buFontTx/>
           <a:buNone/>
           <a:tabLst/>
-          <a:defRPr b="0" baseline="0" cap="none" i="0" spc="0" strike="noStrike" sz="1800" u="none" kumimoji="0" normalizeH="0">
+          <a:defRPr kumimoji="0" sz="1800" b="0" i="0" u="none" strike="noStrike" cap="none" spc="0" normalizeH="0" baseline="0">
             <a:ln>
               <a:noFill/>
             </a:ln>
@@ -5440,7 +5551,7 @@
           <a:buFontTx/>
           <a:buNone/>
           <a:tabLst/>
-          <a:defRPr b="0" baseline="0" cap="none" i="0" spc="0" strike="noStrike" sz="1800" u="none" kumimoji="0" normalizeH="0">
+          <a:defRPr kumimoji="0" sz="1800" b="0" i="0" u="none" strike="noStrike" cap="none" spc="0" normalizeH="0" baseline="0">
             <a:ln>
               <a:noFill/>
             </a:ln>
@@ -5466,7 +5577,7 @@
           <a:buFontTx/>
           <a:buNone/>
           <a:tabLst/>
-          <a:defRPr b="0" baseline="0" cap="none" i="0" spc="0" strike="noStrike" sz="1800" u="none" kumimoji="0" normalizeH="0">
+          <a:defRPr kumimoji="0" sz="1800" b="0" i="0" u="none" strike="noStrike" cap="none" spc="0" normalizeH="0" baseline="0">
             <a:ln>
               <a:noFill/>
             </a:ln>
@@ -5492,7 +5603,7 @@
           <a:buFontTx/>
           <a:buNone/>
           <a:tabLst/>
-          <a:defRPr b="0" baseline="0" cap="none" i="0" spc="0" strike="noStrike" sz="1800" u="none" kumimoji="0" normalizeH="0">
+          <a:defRPr kumimoji="0" sz="1800" b="0" i="0" u="none" strike="noStrike" cap="none" spc="0" normalizeH="0" baseline="0">
             <a:ln>
               <a:noFill/>
             </a:ln>
@@ -5518,7 +5629,7 @@
           <a:buFontTx/>
           <a:buNone/>
           <a:tabLst/>
-          <a:defRPr b="0" baseline="0" cap="none" i="0" spc="0" strike="noStrike" sz="1800" u="none" kumimoji="0" normalizeH="0">
+          <a:defRPr kumimoji="0" sz="1800" b="0" i="0" u="none" strike="noStrike" cap="none" spc="0" normalizeH="0" baseline="0">
             <a:ln>
               <a:noFill/>
             </a:ln>
@@ -5544,7 +5655,7 @@
           <a:buFontTx/>
           <a:buNone/>
           <a:tabLst/>
-          <a:defRPr b="0" baseline="0" cap="none" i="0" spc="0" strike="noStrike" sz="1800" u="none" kumimoji="0" normalizeH="0">
+          <a:defRPr kumimoji="0" sz="1800" b="0" i="0" u="none" strike="noStrike" cap="none" spc="0" normalizeH="0" baseline="0">
             <a:ln>
               <a:noFill/>
             </a:ln>
@@ -5570,7 +5681,7 @@
           <a:buFontTx/>
           <a:buNone/>
           <a:tabLst/>
-          <a:defRPr b="0" baseline="0" cap="none" i="0" spc="0" strike="noStrike" sz="1800" u="none" kumimoji="0" normalizeH="0">
+          <a:defRPr kumimoji="0" sz="1800" b="0" i="0" u="none" strike="noStrike" cap="none" spc="0" normalizeH="0" baseline="0">
             <a:ln>
               <a:noFill/>
             </a:ln>
@@ -5583,9 +5694,15 @@
         </a:lvl9pPr>
       </a:lstStyle>
       <a:style>
-        <a:lnRef idx="0"/>
-        <a:fillRef idx="0"/>
-        <a:effectRef idx="0"/>
+        <a:lnRef idx="0">
+          <a:scrgbClr r="0" g="0" b="0"/>
+        </a:lnRef>
+        <a:fillRef idx="0">
+          <a:scrgbClr r="0" g="0" b="0"/>
+        </a:fillRef>
+        <a:effectRef idx="0">
+          <a:scrgbClr r="0" g="0" b="0"/>
+        </a:effectRef>
         <a:fontRef idx="none"/>
       </a:style>
     </a:spDef>
@@ -5602,7 +5719,7 @@
         <a:effectLst/>
         <a:sp3d/>
       </a:spPr>
-      <a:bodyPr rot="0" spcFirstLastPara="1" vertOverflow="overflow" horzOverflow="overflow" vert="horz" wrap="square" lIns="91439" tIns="45719" rIns="91439" bIns="45719" numCol="1" spcCol="38100" rtlCol="0" anchor="t" upright="0">
+      <a:bodyPr rot="0" spcFirstLastPara="1" vertOverflow="overflow" horzOverflow="overflow" vert="horz" wrap="square" lIns="91439" tIns="45719" rIns="91439" bIns="45719" numCol="1" spcCol="38100" rtlCol="0" anchor="t">
         <a:noAutofit/>
       </a:bodyPr>
       <a:lstStyle>
@@ -5621,7 +5738,7 @@
           <a:buFontTx/>
           <a:buNone/>
           <a:tabLst/>
-          <a:defRPr b="0" baseline="0" cap="none" i="0" spc="0" strike="noStrike" sz="1800" u="none" kumimoji="0" normalizeH="0">
+          <a:defRPr kumimoji="0" sz="1800" b="0" i="0" u="none" strike="noStrike" cap="none" spc="0" normalizeH="0" baseline="0">
             <a:ln>
               <a:noFill/>
             </a:ln>
@@ -5647,7 +5764,7 @@
           <a:buFontTx/>
           <a:buNone/>
           <a:tabLst/>
-          <a:defRPr b="0" baseline="0" cap="none" i="0" spc="0" strike="noStrike" sz="1800" u="none" kumimoji="0" normalizeH="0">
+          <a:defRPr kumimoji="0" sz="1800" b="0" i="0" u="none" strike="noStrike" cap="none" spc="0" normalizeH="0" baseline="0">
             <a:ln>
               <a:noFill/>
             </a:ln>
@@ -5673,7 +5790,7 @@
           <a:buFontTx/>
           <a:buNone/>
           <a:tabLst/>
-          <a:defRPr b="0" baseline="0" cap="none" i="0" spc="0" strike="noStrike" sz="1800" u="none" kumimoji="0" normalizeH="0">
+          <a:defRPr kumimoji="0" sz="1800" b="0" i="0" u="none" strike="noStrike" cap="none" spc="0" normalizeH="0" baseline="0">
             <a:ln>
               <a:noFill/>
             </a:ln>
@@ -5699,7 +5816,7 @@
           <a:buFontTx/>
           <a:buNone/>
           <a:tabLst/>
-          <a:defRPr b="0" baseline="0" cap="none" i="0" spc="0" strike="noStrike" sz="1800" u="none" kumimoji="0" normalizeH="0">
+          <a:defRPr kumimoji="0" sz="1800" b="0" i="0" u="none" strike="noStrike" cap="none" spc="0" normalizeH="0" baseline="0">
             <a:ln>
               <a:noFill/>
             </a:ln>
@@ -5725,7 +5842,7 @@
           <a:buFontTx/>
           <a:buNone/>
           <a:tabLst/>
-          <a:defRPr b="0" baseline="0" cap="none" i="0" spc="0" strike="noStrike" sz="1800" u="none" kumimoji="0" normalizeH="0">
+          <a:defRPr kumimoji="0" sz="1800" b="0" i="0" u="none" strike="noStrike" cap="none" spc="0" normalizeH="0" baseline="0">
             <a:ln>
               <a:noFill/>
             </a:ln>
@@ -5751,7 +5868,7 @@
           <a:buFontTx/>
           <a:buNone/>
           <a:tabLst/>
-          <a:defRPr b="0" baseline="0" cap="none" i="0" spc="0" strike="noStrike" sz="1800" u="none" kumimoji="0" normalizeH="0">
+          <a:defRPr kumimoji="0" sz="1800" b="0" i="0" u="none" strike="noStrike" cap="none" spc="0" normalizeH="0" baseline="0">
             <a:ln>
               <a:noFill/>
             </a:ln>
@@ -5777,7 +5894,7 @@
           <a:buFontTx/>
           <a:buNone/>
           <a:tabLst/>
-          <a:defRPr b="0" baseline="0" cap="none" i="0" spc="0" strike="noStrike" sz="1800" u="none" kumimoji="0" normalizeH="0">
+          <a:defRPr kumimoji="0" sz="1800" b="0" i="0" u="none" strike="noStrike" cap="none" spc="0" normalizeH="0" baseline="0">
             <a:ln>
               <a:noFill/>
             </a:ln>
@@ -5803,7 +5920,7 @@
           <a:buFontTx/>
           <a:buNone/>
           <a:tabLst/>
-          <a:defRPr b="0" baseline="0" cap="none" i="0" spc="0" strike="noStrike" sz="1800" u="none" kumimoji="0" normalizeH="0">
+          <a:defRPr kumimoji="0" sz="1800" b="0" i="0" u="none" strike="noStrike" cap="none" spc="0" normalizeH="0" baseline="0">
             <a:ln>
               <a:noFill/>
             </a:ln>
@@ -5829,7 +5946,7 @@
           <a:buFontTx/>
           <a:buNone/>
           <a:tabLst/>
-          <a:defRPr b="0" baseline="0" cap="none" i="0" spc="0" strike="noStrike" sz="1800" u="none" kumimoji="0" normalizeH="0">
+          <a:defRPr kumimoji="0" sz="1800" b="0" i="0" u="none" strike="noStrike" cap="none" spc="0" normalizeH="0" baseline="0">
             <a:ln>
               <a:noFill/>
             </a:ln>
@@ -5855,7 +5972,7 @@
           <a:buFontTx/>
           <a:buNone/>
           <a:tabLst/>
-          <a:defRPr b="0" baseline="0" cap="none" i="0" spc="0" strike="noStrike" sz="1800" u="none" kumimoji="0" normalizeH="0">
+          <a:defRPr kumimoji="0" sz="1800" b="0" i="0" u="none" strike="noStrike" cap="none" spc="0" normalizeH="0" baseline="0">
             <a:ln>
               <a:noFill/>
             </a:ln>
@@ -5868,9 +5985,15 @@
         </a:lvl9pPr>
       </a:lstStyle>
       <a:style>
-        <a:lnRef idx="0"/>
-        <a:fillRef idx="0"/>
-        <a:effectRef idx="0"/>
+        <a:lnRef idx="0">
+          <a:scrgbClr r="0" g="0" b="0"/>
+        </a:lnRef>
+        <a:fillRef idx="0">
+          <a:scrgbClr r="0" g="0" b="0"/>
+        </a:fillRef>
+        <a:effectRef idx="0">
+          <a:scrgbClr r="0" g="0" b="0"/>
+        </a:effectRef>
         <a:fontRef idx="none"/>
       </a:style>
     </a:lnDef>
@@ -5884,7 +6007,7 @@
         <a:effectLst/>
         <a:sp3d/>
       </a:spPr>
-      <a:bodyPr rot="0" spcFirstLastPara="1" vertOverflow="overflow" horzOverflow="overflow" vert="horz" wrap="square" lIns="50800" tIns="50800" rIns="50800" bIns="50800" numCol="1" spcCol="38100" rtlCol="0" anchor="ctr" upright="0">
+      <a:bodyPr rot="0" spcFirstLastPara="1" vertOverflow="overflow" horzOverflow="overflow" vert="horz" wrap="square" lIns="50800" tIns="50800" rIns="50800" bIns="50800" numCol="1" spcCol="38100" rtlCol="0" anchor="ctr">
         <a:spAutoFit/>
       </a:bodyPr>
       <a:lstStyle>
@@ -5903,7 +6026,7 @@
           <a:buFontTx/>
           <a:buNone/>
           <a:tabLst/>
-          <a:defRPr b="0" baseline="0" cap="none" i="0" spc="0" strike="noStrike" sz="2400" u="none" kumimoji="0" normalizeH="0">
+          <a:defRPr kumimoji="0" sz="2400" b="0" i="0" u="none" strike="noStrike" cap="none" spc="0" normalizeH="0" baseline="0">
             <a:ln>
               <a:noFill/>
             </a:ln>
@@ -5933,7 +6056,7 @@
           <a:buFontTx/>
           <a:buNone/>
           <a:tabLst/>
-          <a:defRPr b="0" baseline="0" cap="none" i="0" spc="0" strike="noStrike" sz="1800" u="none" kumimoji="0" normalizeH="0">
+          <a:defRPr kumimoji="0" sz="1800" b="0" i="0" u="none" strike="noStrike" cap="none" spc="0" normalizeH="0" baseline="0">
             <a:ln>
               <a:noFill/>
             </a:ln>
@@ -5959,7 +6082,7 @@
           <a:buFontTx/>
           <a:buNone/>
           <a:tabLst/>
-          <a:defRPr b="0" baseline="0" cap="none" i="0" spc="0" strike="noStrike" sz="1800" u="none" kumimoji="0" normalizeH="0">
+          <a:defRPr kumimoji="0" sz="1800" b="0" i="0" u="none" strike="noStrike" cap="none" spc="0" normalizeH="0" baseline="0">
             <a:ln>
               <a:noFill/>
             </a:ln>
@@ -5985,7 +6108,7 @@
           <a:buFontTx/>
           <a:buNone/>
           <a:tabLst/>
-          <a:defRPr b="0" baseline="0" cap="none" i="0" spc="0" strike="noStrike" sz="1800" u="none" kumimoji="0" normalizeH="0">
+          <a:defRPr kumimoji="0" sz="1800" b="0" i="0" u="none" strike="noStrike" cap="none" spc="0" normalizeH="0" baseline="0">
             <a:ln>
               <a:noFill/>
             </a:ln>
@@ -6011,7 +6134,7 @@
           <a:buFontTx/>
           <a:buNone/>
           <a:tabLst/>
-          <a:defRPr b="0" baseline="0" cap="none" i="0" spc="0" strike="noStrike" sz="1800" u="none" kumimoji="0" normalizeH="0">
+          <a:defRPr kumimoji="0" sz="1800" b="0" i="0" u="none" strike="noStrike" cap="none" spc="0" normalizeH="0" baseline="0">
             <a:ln>
               <a:noFill/>
             </a:ln>
@@ -6037,7 +6160,7 @@
           <a:buFontTx/>
           <a:buNone/>
           <a:tabLst/>
-          <a:defRPr b="0" baseline="0" cap="none" i="0" spc="0" strike="noStrike" sz="1800" u="none" kumimoji="0" normalizeH="0">
+          <a:defRPr kumimoji="0" sz="1800" b="0" i="0" u="none" strike="noStrike" cap="none" spc="0" normalizeH="0" baseline="0">
             <a:ln>
               <a:noFill/>
             </a:ln>
@@ -6063,7 +6186,7 @@
           <a:buFontTx/>
           <a:buNone/>
           <a:tabLst/>
-          <a:defRPr b="0" baseline="0" cap="none" i="0" spc="0" strike="noStrike" sz="1800" u="none" kumimoji="0" normalizeH="0">
+          <a:defRPr kumimoji="0" sz="1800" b="0" i="0" u="none" strike="noStrike" cap="none" spc="0" normalizeH="0" baseline="0">
             <a:ln>
               <a:noFill/>
             </a:ln>
@@ -6089,7 +6212,7 @@
           <a:buFontTx/>
           <a:buNone/>
           <a:tabLst/>
-          <a:defRPr b="0" baseline="0" cap="none" i="0" spc="0" strike="noStrike" sz="1800" u="none" kumimoji="0" normalizeH="0">
+          <a:defRPr kumimoji="0" sz="1800" b="0" i="0" u="none" strike="noStrike" cap="none" spc="0" normalizeH="0" baseline="0">
             <a:ln>
               <a:noFill/>
             </a:ln>
@@ -6115,7 +6238,7 @@
           <a:buFontTx/>
           <a:buNone/>
           <a:tabLst/>
-          <a:defRPr b="0" baseline="0" cap="none" i="0" spc="0" strike="noStrike" sz="1800" u="none" kumimoji="0" normalizeH="0">
+          <a:defRPr kumimoji="0" sz="1800" b="0" i="0" u="none" strike="noStrike" cap="none" spc="0" normalizeH="0" baseline="0">
             <a:ln>
               <a:noFill/>
             </a:ln>
@@ -6141,7 +6264,7 @@
           <a:buFontTx/>
           <a:buNone/>
           <a:tabLst/>
-          <a:defRPr b="0" baseline="0" cap="none" i="0" spc="0" strike="noStrike" sz="1800" u="none" kumimoji="0" normalizeH="0">
+          <a:defRPr kumimoji="0" sz="1800" b="0" i="0" u="none" strike="noStrike" cap="none" spc="0" normalizeH="0" baseline="0">
             <a:ln>
               <a:noFill/>
             </a:ln>
@@ -6154,18 +6277,25 @@
         </a:lvl9pPr>
       </a:lstStyle>
       <a:style>
-        <a:lnRef idx="0"/>
-        <a:fillRef idx="0"/>
-        <a:effectRef idx="0"/>
+        <a:lnRef idx="0">
+          <a:scrgbClr r="0" g="0" b="0"/>
+        </a:lnRef>
+        <a:fillRef idx="0">
+          <a:scrgbClr r="0" g="0" b="0"/>
+        </a:fillRef>
+        <a:effectRef idx="0">
+          <a:scrgbClr r="0" g="0" b="0"/>
+        </a:effectRef>
         <a:fontRef idx="none"/>
       </a:style>
     </a:txDef>
   </a:objectDefaults>
+  <a:extraClrSchemeLst/>
 </a:theme>
 </file>
 
 <file path=ppt/theme/theme2.xml><?xml version="1.0" encoding="utf-8"?>
-<a:theme xmlns:a="http://schemas.openxmlformats.org/drawingml/2006/main" xmlns:r="http://schemas.openxmlformats.org/officeDocument/2006/relationships" name="30_BasicColor">
+<a:theme xmlns:a="http://schemas.openxmlformats.org/drawingml/2006/main" name="30_BasicColor">
   <a:themeElements>
     <a:clrScheme name="30_BasicColor">
       <a:dk1>
@@ -6364,7 +6494,7 @@
         <a:effectLst/>
         <a:sp3d/>
       </a:spPr>
-      <a:bodyPr rot="0" spcFirstLastPara="1" vertOverflow="overflow" horzOverflow="overflow" vert="horz" wrap="square" lIns="50800" tIns="50800" rIns="50800" bIns="50800" numCol="1" spcCol="38100" rtlCol="0" anchor="ctr" upright="0">
+      <a:bodyPr rot="0" spcFirstLastPara="1" vertOverflow="overflow" horzOverflow="overflow" vert="horz" wrap="square" lIns="50800" tIns="50800" rIns="50800" bIns="50800" numCol="1" spcCol="38100" rtlCol="0" anchor="ctr">
         <a:spAutoFit/>
       </a:bodyPr>
       <a:lstStyle>
@@ -6383,7 +6513,7 @@
           <a:buFontTx/>
           <a:buNone/>
           <a:tabLst/>
-          <a:defRPr b="0" baseline="0" cap="none" i="0" spc="0" strike="noStrike" sz="3200" u="none" kumimoji="0" normalizeH="0">
+          <a:defRPr kumimoji="0" sz="3200" b="0" i="0" u="none" strike="noStrike" cap="none" spc="0" normalizeH="0" baseline="0">
             <a:ln>
               <a:noFill/>
             </a:ln>
@@ -6413,7 +6543,7 @@
           <a:buFontTx/>
           <a:buNone/>
           <a:tabLst/>
-          <a:defRPr b="0" baseline="0" cap="none" i="0" spc="0" strike="noStrike" sz="1800" u="none" kumimoji="0" normalizeH="0">
+          <a:defRPr kumimoji="0" sz="1800" b="0" i="0" u="none" strike="noStrike" cap="none" spc="0" normalizeH="0" baseline="0">
             <a:ln>
               <a:noFill/>
             </a:ln>
@@ -6439,7 +6569,7 @@
           <a:buFontTx/>
           <a:buNone/>
           <a:tabLst/>
-          <a:defRPr b="0" baseline="0" cap="none" i="0" spc="0" strike="noStrike" sz="1800" u="none" kumimoji="0" normalizeH="0">
+          <a:defRPr kumimoji="0" sz="1800" b="0" i="0" u="none" strike="noStrike" cap="none" spc="0" normalizeH="0" baseline="0">
             <a:ln>
               <a:noFill/>
             </a:ln>
@@ -6465,7 +6595,7 @@
           <a:buFontTx/>
           <a:buNone/>
           <a:tabLst/>
-          <a:defRPr b="0" baseline="0" cap="none" i="0" spc="0" strike="noStrike" sz="1800" u="none" kumimoji="0" normalizeH="0">
+          <a:defRPr kumimoji="0" sz="1800" b="0" i="0" u="none" strike="noStrike" cap="none" spc="0" normalizeH="0" baseline="0">
             <a:ln>
               <a:noFill/>
             </a:ln>
@@ -6491,7 +6621,7 @@
           <a:buFontTx/>
           <a:buNone/>
           <a:tabLst/>
-          <a:defRPr b="0" baseline="0" cap="none" i="0" spc="0" strike="noStrike" sz="1800" u="none" kumimoji="0" normalizeH="0">
+          <a:defRPr kumimoji="0" sz="1800" b="0" i="0" u="none" strike="noStrike" cap="none" spc="0" normalizeH="0" baseline="0">
             <a:ln>
               <a:noFill/>
             </a:ln>
@@ -6517,7 +6647,7 @@
           <a:buFontTx/>
           <a:buNone/>
           <a:tabLst/>
-          <a:defRPr b="0" baseline="0" cap="none" i="0" spc="0" strike="noStrike" sz="1800" u="none" kumimoji="0" normalizeH="0">
+          <a:defRPr kumimoji="0" sz="1800" b="0" i="0" u="none" strike="noStrike" cap="none" spc="0" normalizeH="0" baseline="0">
             <a:ln>
               <a:noFill/>
             </a:ln>
@@ -6543,7 +6673,7 @@
           <a:buFontTx/>
           <a:buNone/>
           <a:tabLst/>
-          <a:defRPr b="0" baseline="0" cap="none" i="0" spc="0" strike="noStrike" sz="1800" u="none" kumimoji="0" normalizeH="0">
+          <a:defRPr kumimoji="0" sz="1800" b="0" i="0" u="none" strike="noStrike" cap="none" spc="0" normalizeH="0" baseline="0">
             <a:ln>
               <a:noFill/>
             </a:ln>
@@ -6569,7 +6699,7 @@
           <a:buFontTx/>
           <a:buNone/>
           <a:tabLst/>
-          <a:defRPr b="0" baseline="0" cap="none" i="0" spc="0" strike="noStrike" sz="1800" u="none" kumimoji="0" normalizeH="0">
+          <a:defRPr kumimoji="0" sz="1800" b="0" i="0" u="none" strike="noStrike" cap="none" spc="0" normalizeH="0" baseline="0">
             <a:ln>
               <a:noFill/>
             </a:ln>
@@ -6595,7 +6725,7 @@
           <a:buFontTx/>
           <a:buNone/>
           <a:tabLst/>
-          <a:defRPr b="0" baseline="0" cap="none" i="0" spc="0" strike="noStrike" sz="1800" u="none" kumimoji="0" normalizeH="0">
+          <a:defRPr kumimoji="0" sz="1800" b="0" i="0" u="none" strike="noStrike" cap="none" spc="0" normalizeH="0" baseline="0">
             <a:ln>
               <a:noFill/>
             </a:ln>
@@ -6621,7 +6751,7 @@
           <a:buFontTx/>
           <a:buNone/>
           <a:tabLst/>
-          <a:defRPr b="0" baseline="0" cap="none" i="0" spc="0" strike="noStrike" sz="1800" u="none" kumimoji="0" normalizeH="0">
+          <a:defRPr kumimoji="0" sz="1800" b="0" i="0" u="none" strike="noStrike" cap="none" spc="0" normalizeH="0" baseline="0">
             <a:ln>
               <a:noFill/>
             </a:ln>
@@ -6634,9 +6764,15 @@
         </a:lvl9pPr>
       </a:lstStyle>
       <a:style>
-        <a:lnRef idx="0"/>
-        <a:fillRef idx="0"/>
-        <a:effectRef idx="0"/>
+        <a:lnRef idx="0">
+          <a:scrgbClr r="0" g="0" b="0"/>
+        </a:lnRef>
+        <a:fillRef idx="0">
+          <a:scrgbClr r="0" g="0" b="0"/>
+        </a:fillRef>
+        <a:effectRef idx="0">
+          <a:scrgbClr r="0" g="0" b="0"/>
+        </a:effectRef>
         <a:fontRef idx="none"/>
       </a:style>
     </a:spDef>
@@ -6653,7 +6789,7 @@
         <a:effectLst/>
         <a:sp3d/>
       </a:spPr>
-      <a:bodyPr rot="0" spcFirstLastPara="1" vertOverflow="overflow" horzOverflow="overflow" vert="horz" wrap="square" lIns="91439" tIns="45719" rIns="91439" bIns="45719" numCol="1" spcCol="38100" rtlCol="0" anchor="t" upright="0">
+      <a:bodyPr rot="0" spcFirstLastPara="1" vertOverflow="overflow" horzOverflow="overflow" vert="horz" wrap="square" lIns="91439" tIns="45719" rIns="91439" bIns="45719" numCol="1" spcCol="38100" rtlCol="0" anchor="t">
         <a:noAutofit/>
       </a:bodyPr>
       <a:lstStyle>
@@ -6672,7 +6808,7 @@
           <a:buFontTx/>
           <a:buNone/>
           <a:tabLst/>
-          <a:defRPr b="0" baseline="0" cap="none" i="0" spc="0" strike="noStrike" sz="1800" u="none" kumimoji="0" normalizeH="0">
+          <a:defRPr kumimoji="0" sz="1800" b="0" i="0" u="none" strike="noStrike" cap="none" spc="0" normalizeH="0" baseline="0">
             <a:ln>
               <a:noFill/>
             </a:ln>
@@ -6698,7 +6834,7 @@
           <a:buFontTx/>
           <a:buNone/>
           <a:tabLst/>
-          <a:defRPr b="0" baseline="0" cap="none" i="0" spc="0" strike="noStrike" sz="1800" u="none" kumimoji="0" normalizeH="0">
+          <a:defRPr kumimoji="0" sz="1800" b="0" i="0" u="none" strike="noStrike" cap="none" spc="0" normalizeH="0" baseline="0">
             <a:ln>
               <a:noFill/>
             </a:ln>
@@ -6724,7 +6860,7 @@
           <a:buFontTx/>
           <a:buNone/>
           <a:tabLst/>
-          <a:defRPr b="0" baseline="0" cap="none" i="0" spc="0" strike="noStrike" sz="1800" u="none" kumimoji="0" normalizeH="0">
+          <a:defRPr kumimoji="0" sz="1800" b="0" i="0" u="none" strike="noStrike" cap="none" spc="0" normalizeH="0" baseline="0">
             <a:ln>
               <a:noFill/>
             </a:ln>
@@ -6750,7 +6886,7 @@
           <a:buFontTx/>
           <a:buNone/>
           <a:tabLst/>
-          <a:defRPr b="0" baseline="0" cap="none" i="0" spc="0" strike="noStrike" sz="1800" u="none" kumimoji="0" normalizeH="0">
+          <a:defRPr kumimoji="0" sz="1800" b="0" i="0" u="none" strike="noStrike" cap="none" spc="0" normalizeH="0" baseline="0">
             <a:ln>
               <a:noFill/>
             </a:ln>
@@ -6776,7 +6912,7 @@
           <a:buFontTx/>
           <a:buNone/>
           <a:tabLst/>
-          <a:defRPr b="0" baseline="0" cap="none" i="0" spc="0" strike="noStrike" sz="1800" u="none" kumimoji="0" normalizeH="0">
+          <a:defRPr kumimoji="0" sz="1800" b="0" i="0" u="none" strike="noStrike" cap="none" spc="0" normalizeH="0" baseline="0">
             <a:ln>
               <a:noFill/>
             </a:ln>
@@ -6802,7 +6938,7 @@
           <a:buFontTx/>
           <a:buNone/>
           <a:tabLst/>
-          <a:defRPr b="0" baseline="0" cap="none" i="0" spc="0" strike="noStrike" sz="1800" u="none" kumimoji="0" normalizeH="0">
+          <a:defRPr kumimoji="0" sz="1800" b="0" i="0" u="none" strike="noStrike" cap="none" spc="0" normalizeH="0" baseline="0">
             <a:ln>
               <a:noFill/>
             </a:ln>
@@ -6828,7 +6964,7 @@
           <a:buFontTx/>
           <a:buNone/>
           <a:tabLst/>
-          <a:defRPr b="0" baseline="0" cap="none" i="0" spc="0" strike="noStrike" sz="1800" u="none" kumimoji="0" normalizeH="0">
+          <a:defRPr kumimoji="0" sz="1800" b="0" i="0" u="none" strike="noStrike" cap="none" spc="0" normalizeH="0" baseline="0">
             <a:ln>
               <a:noFill/>
             </a:ln>
@@ -6854,7 +6990,7 @@
           <a:buFontTx/>
           <a:buNone/>
           <a:tabLst/>
-          <a:defRPr b="0" baseline="0" cap="none" i="0" spc="0" strike="noStrike" sz="1800" u="none" kumimoji="0" normalizeH="0">
+          <a:defRPr kumimoji="0" sz="1800" b="0" i="0" u="none" strike="noStrike" cap="none" spc="0" normalizeH="0" baseline="0">
             <a:ln>
               <a:noFill/>
             </a:ln>
@@ -6880,7 +7016,7 @@
           <a:buFontTx/>
           <a:buNone/>
           <a:tabLst/>
-          <a:defRPr b="0" baseline="0" cap="none" i="0" spc="0" strike="noStrike" sz="1800" u="none" kumimoji="0" normalizeH="0">
+          <a:defRPr kumimoji="0" sz="1800" b="0" i="0" u="none" strike="noStrike" cap="none" spc="0" normalizeH="0" baseline="0">
             <a:ln>
               <a:noFill/>
             </a:ln>
@@ -6906,7 +7042,7 @@
           <a:buFontTx/>
           <a:buNone/>
           <a:tabLst/>
-          <a:defRPr b="0" baseline="0" cap="none" i="0" spc="0" strike="noStrike" sz="1800" u="none" kumimoji="0" normalizeH="0">
+          <a:defRPr kumimoji="0" sz="1800" b="0" i="0" u="none" strike="noStrike" cap="none" spc="0" normalizeH="0" baseline="0">
             <a:ln>
               <a:noFill/>
             </a:ln>
@@ -6919,9 +7055,15 @@
         </a:lvl9pPr>
       </a:lstStyle>
       <a:style>
-        <a:lnRef idx="0"/>
-        <a:fillRef idx="0"/>
-        <a:effectRef idx="0"/>
+        <a:lnRef idx="0">
+          <a:scrgbClr r="0" g="0" b="0"/>
+        </a:lnRef>
+        <a:fillRef idx="0">
+          <a:scrgbClr r="0" g="0" b="0"/>
+        </a:fillRef>
+        <a:effectRef idx="0">
+          <a:scrgbClr r="0" g="0" b="0"/>
+        </a:effectRef>
         <a:fontRef idx="none"/>
       </a:style>
     </a:lnDef>
@@ -6935,7 +7077,7 @@
         <a:effectLst/>
         <a:sp3d/>
       </a:spPr>
-      <a:bodyPr rot="0" spcFirstLastPara="1" vertOverflow="overflow" horzOverflow="overflow" vert="horz" wrap="square" lIns="50800" tIns="50800" rIns="50800" bIns="50800" numCol="1" spcCol="38100" rtlCol="0" anchor="ctr" upright="0">
+      <a:bodyPr rot="0" spcFirstLastPara="1" vertOverflow="overflow" horzOverflow="overflow" vert="horz" wrap="square" lIns="50800" tIns="50800" rIns="50800" bIns="50800" numCol="1" spcCol="38100" rtlCol="0" anchor="ctr">
         <a:spAutoFit/>
       </a:bodyPr>
       <a:lstStyle>
@@ -6954,7 +7096,7 @@
           <a:buFontTx/>
           <a:buNone/>
           <a:tabLst/>
-          <a:defRPr b="0" baseline="0" cap="none" i="0" spc="0" strike="noStrike" sz="2400" u="none" kumimoji="0" normalizeH="0">
+          <a:defRPr kumimoji="0" sz="2400" b="0" i="0" u="none" strike="noStrike" cap="none" spc="0" normalizeH="0" baseline="0">
             <a:ln>
               <a:noFill/>
             </a:ln>
@@ -6984,7 +7126,7 @@
           <a:buFontTx/>
           <a:buNone/>
           <a:tabLst/>
-          <a:defRPr b="0" baseline="0" cap="none" i="0" spc="0" strike="noStrike" sz="1800" u="none" kumimoji="0" normalizeH="0">
+          <a:defRPr kumimoji="0" sz="1800" b="0" i="0" u="none" strike="noStrike" cap="none" spc="0" normalizeH="0" baseline="0">
             <a:ln>
               <a:noFill/>
             </a:ln>
@@ -7010,7 +7152,7 @@
           <a:buFontTx/>
           <a:buNone/>
           <a:tabLst/>
-          <a:defRPr b="0" baseline="0" cap="none" i="0" spc="0" strike="noStrike" sz="1800" u="none" kumimoji="0" normalizeH="0">
+          <a:defRPr kumimoji="0" sz="1800" b="0" i="0" u="none" strike="noStrike" cap="none" spc="0" normalizeH="0" baseline="0">
             <a:ln>
               <a:noFill/>
             </a:ln>
@@ -7036,7 +7178,7 @@
           <a:buFontTx/>
           <a:buNone/>
           <a:tabLst/>
-          <a:defRPr b="0" baseline="0" cap="none" i="0" spc="0" strike="noStrike" sz="1800" u="none" kumimoji="0" normalizeH="0">
+          <a:defRPr kumimoji="0" sz="1800" b="0" i="0" u="none" strike="noStrike" cap="none" spc="0" normalizeH="0" baseline="0">
             <a:ln>
               <a:noFill/>
             </a:ln>
@@ -7062,7 +7204,7 @@
           <a:buFontTx/>
           <a:buNone/>
           <a:tabLst/>
-          <a:defRPr b="0" baseline="0" cap="none" i="0" spc="0" strike="noStrike" sz="1800" u="none" kumimoji="0" normalizeH="0">
+          <a:defRPr kumimoji="0" sz="1800" b="0" i="0" u="none" strike="noStrike" cap="none" spc="0" normalizeH="0" baseline="0">
             <a:ln>
               <a:noFill/>
             </a:ln>
@@ -7088,7 +7230,7 @@
           <a:buFontTx/>
           <a:buNone/>
           <a:tabLst/>
-          <a:defRPr b="0" baseline="0" cap="none" i="0" spc="0" strike="noStrike" sz="1800" u="none" kumimoji="0" normalizeH="0">
+          <a:defRPr kumimoji="0" sz="1800" b="0" i="0" u="none" strike="noStrike" cap="none" spc="0" normalizeH="0" baseline="0">
             <a:ln>
               <a:noFill/>
             </a:ln>
@@ -7114,7 +7256,7 @@
           <a:buFontTx/>
           <a:buNone/>
           <a:tabLst/>
-          <a:defRPr b="0" baseline="0" cap="none" i="0" spc="0" strike="noStrike" sz="1800" u="none" kumimoji="0" normalizeH="0">
+          <a:defRPr kumimoji="0" sz="1800" b="0" i="0" u="none" strike="noStrike" cap="none" spc="0" normalizeH="0" baseline="0">
             <a:ln>
               <a:noFill/>
             </a:ln>
@@ -7140,7 +7282,7 @@
           <a:buFontTx/>
           <a:buNone/>
           <a:tabLst/>
-          <a:defRPr b="0" baseline="0" cap="none" i="0" spc="0" strike="noStrike" sz="1800" u="none" kumimoji="0" normalizeH="0">
+          <a:defRPr kumimoji="0" sz="1800" b="0" i="0" u="none" strike="noStrike" cap="none" spc="0" normalizeH="0" baseline="0">
             <a:ln>
               <a:noFill/>
             </a:ln>
@@ -7166,7 +7308,7 @@
           <a:buFontTx/>
           <a:buNone/>
           <a:tabLst/>
-          <a:defRPr b="0" baseline="0" cap="none" i="0" spc="0" strike="noStrike" sz="1800" u="none" kumimoji="0" normalizeH="0">
+          <a:defRPr kumimoji="0" sz="1800" b="0" i="0" u="none" strike="noStrike" cap="none" spc="0" normalizeH="0" baseline="0">
             <a:ln>
               <a:noFill/>
             </a:ln>
@@ -7192,7 +7334,7 @@
           <a:buFontTx/>
           <a:buNone/>
           <a:tabLst/>
-          <a:defRPr b="0" baseline="0" cap="none" i="0" spc="0" strike="noStrike" sz="1800" u="none" kumimoji="0" normalizeH="0">
+          <a:defRPr kumimoji="0" sz="1800" b="0" i="0" u="none" strike="noStrike" cap="none" spc="0" normalizeH="0" baseline="0">
             <a:ln>
               <a:noFill/>
             </a:ln>
@@ -7205,12 +7347,19 @@
         </a:lvl9pPr>
       </a:lstStyle>
       <a:style>
-        <a:lnRef idx="0"/>
-        <a:fillRef idx="0"/>
-        <a:effectRef idx="0"/>
+        <a:lnRef idx="0">
+          <a:scrgbClr r="0" g="0" b="0"/>
+        </a:lnRef>
+        <a:fillRef idx="0">
+          <a:scrgbClr r="0" g="0" b="0"/>
+        </a:fillRef>
+        <a:effectRef idx="0">
+          <a:scrgbClr r="0" g="0" b="0"/>
+        </a:effectRef>
         <a:fontRef idx="none"/>
       </a:style>
     </a:txDef>
   </a:objectDefaults>
+  <a:extraClrSchemeLst/>
 </a:theme>
 </file>